--- a/02 - Midi/02 HelloWorld keyboard.pptx
+++ b/02 - Midi/02 HelloWorld keyboard.pptx
@@ -207,7 +207,7 @@
           <a:p>
             <a:fld id="{BE487CCF-3B53-4F90-977B-B099D72D42DC}" type="datetimeFigureOut">
               <a:rPr lang="en-GB" smtClean="0"/>
-              <a:t>19/07/2023</a:t>
+              <a:t>05/10/2023</a:t>
             </a:fld>
             <a:endParaRPr lang="en-GB"/>
           </a:p>
@@ -607,24 +607,14 @@
           <a:lstStyle/>
           <a:p>
             <a:r>
-              <a:rPr lang="en-GB" b="0" i="0" dirty="0" err="1">
+              <a:rPr lang="en-GB" b="0" i="0" dirty="0">
                 <a:solidFill>
                   <a:srgbClr val="090909"/>
                 </a:solidFill>
                 <a:effectLst/>
                 <a:latin typeface="Arial" panose="020B0604020202020204" pitchFamily="34" charset="0"/>
               </a:rPr>
-              <a:t>MidiKeyboardComponent</a:t>
-            </a:r>
-            <a:r>
-              <a:rPr lang="en-GB" b="0" i="0" dirty="0">
-                <a:solidFill>
-                  <a:srgbClr val="090909"/>
-                </a:solidFill>
-                <a:effectLst/>
-                <a:latin typeface="Arial" panose="020B0604020202020204" pitchFamily="34" charset="0"/>
-              </a:rPr>
-              <a:t> needs a </a:t>
+              <a:t>MidiKeyboardComponent needs a </a:t>
             </a:r>
             <a:r>
               <a:rPr lang="en-GB" b="0" i="0" dirty="0" err="1">
@@ -764,21 +754,7 @@
                 <a:effectLst/>
                 <a:ea typeface="Times New Roman" panose="02020603050405020304" pitchFamily="18" charset="0"/>
               </a:rPr>
-              <a:t> object to initialise </a:t>
-            </a:r>
-            <a:r>
-              <a:rPr lang="en-GB" sz="1200" dirty="0" err="1">
-                <a:effectLst/>
-                <a:ea typeface="Times New Roman" panose="02020603050405020304" pitchFamily="18" charset="0"/>
-              </a:rPr>
-              <a:t>MidiKeyboardComponent</a:t>
-            </a:r>
-            <a:r>
-              <a:rPr lang="en-GB" sz="1200" dirty="0">
-                <a:effectLst/>
-                <a:ea typeface="Times New Roman" panose="02020603050405020304" pitchFamily="18" charset="0"/>
-              </a:rPr>
-              <a:t> object</a:t>
+              <a:t> object to initialise MidiKeyboardComponent object</a:t>
             </a:r>
           </a:p>
         </p:txBody>
@@ -897,21 +873,7 @@
                 <a:effectLst/>
                 <a:ea typeface="Times New Roman" panose="02020603050405020304" pitchFamily="18" charset="0"/>
               </a:rPr>
-              <a:t> object to initialise </a:t>
-            </a:r>
-            <a:r>
-              <a:rPr lang="en-GB" sz="1200" dirty="0" err="1">
-                <a:effectLst/>
-                <a:ea typeface="Times New Roman" panose="02020603050405020304" pitchFamily="18" charset="0"/>
-              </a:rPr>
-              <a:t>MidiKeyboardComponent</a:t>
-            </a:r>
-            <a:r>
-              <a:rPr lang="en-GB" sz="1200" dirty="0">
-                <a:effectLst/>
-                <a:ea typeface="Times New Roman" panose="02020603050405020304" pitchFamily="18" charset="0"/>
-              </a:rPr>
-              <a:t> object</a:t>
+              <a:t> object to initialise MidiKeyboardComponent object</a:t>
             </a:r>
           </a:p>
         </p:txBody>
@@ -1101,7 +1063,7 @@
           <a:p>
             <a:fld id="{F8A5948D-6B6B-4AEB-B022-F2A9ADD6F77D}" type="datetimeFigureOut">
               <a:rPr lang="en-GB" smtClean="0"/>
-              <a:t>19/07/2023</a:t>
+              <a:t>05/10/2023</a:t>
             </a:fld>
             <a:endParaRPr lang="en-GB"/>
           </a:p>
@@ -1301,7 +1263,7 @@
           <a:p>
             <a:fld id="{F8A5948D-6B6B-4AEB-B022-F2A9ADD6F77D}" type="datetimeFigureOut">
               <a:rPr lang="en-GB" smtClean="0"/>
-              <a:t>19/07/2023</a:t>
+              <a:t>05/10/2023</a:t>
             </a:fld>
             <a:endParaRPr lang="en-GB"/>
           </a:p>
@@ -1511,7 +1473,7 @@
           <a:p>
             <a:fld id="{F8A5948D-6B6B-4AEB-B022-F2A9ADD6F77D}" type="datetimeFigureOut">
               <a:rPr lang="en-GB" smtClean="0"/>
-              <a:t>19/07/2023</a:t>
+              <a:t>05/10/2023</a:t>
             </a:fld>
             <a:endParaRPr lang="en-GB"/>
           </a:p>
@@ -1716,7 +1678,7 @@
           <a:p>
             <a:fld id="{F8A5948D-6B6B-4AEB-B022-F2A9ADD6F77D}" type="datetimeFigureOut">
               <a:rPr lang="en-GB" smtClean="0"/>
-              <a:t>19/07/2023</a:t>
+              <a:t>05/10/2023</a:t>
             </a:fld>
             <a:endParaRPr lang="en-GB"/>
           </a:p>
@@ -1992,7 +1954,7 @@
           <a:p>
             <a:fld id="{F8A5948D-6B6B-4AEB-B022-F2A9ADD6F77D}" type="datetimeFigureOut">
               <a:rPr lang="en-GB" smtClean="0"/>
-              <a:t>19/07/2023</a:t>
+              <a:t>05/10/2023</a:t>
             </a:fld>
             <a:endParaRPr lang="en-GB"/>
           </a:p>
@@ -2260,7 +2222,7 @@
           <a:p>
             <a:fld id="{F8A5948D-6B6B-4AEB-B022-F2A9ADD6F77D}" type="datetimeFigureOut">
               <a:rPr lang="en-GB" smtClean="0"/>
-              <a:t>19/07/2023</a:t>
+              <a:t>05/10/2023</a:t>
             </a:fld>
             <a:endParaRPr lang="en-GB"/>
           </a:p>
@@ -2675,7 +2637,7 @@
           <a:p>
             <a:fld id="{F8A5948D-6B6B-4AEB-B022-F2A9ADD6F77D}" type="datetimeFigureOut">
               <a:rPr lang="en-GB" smtClean="0"/>
-              <a:t>19/07/2023</a:t>
+              <a:t>05/10/2023</a:t>
             </a:fld>
             <a:endParaRPr lang="en-GB"/>
           </a:p>
@@ -2817,7 +2779,7 @@
           <a:p>
             <a:fld id="{F8A5948D-6B6B-4AEB-B022-F2A9ADD6F77D}" type="datetimeFigureOut">
               <a:rPr lang="en-GB" smtClean="0"/>
-              <a:t>19/07/2023</a:t>
+              <a:t>05/10/2023</a:t>
             </a:fld>
             <a:endParaRPr lang="en-GB"/>
           </a:p>
@@ -2930,7 +2892,7 @@
           <a:p>
             <a:fld id="{F8A5948D-6B6B-4AEB-B022-F2A9ADD6F77D}" type="datetimeFigureOut">
               <a:rPr lang="en-GB" smtClean="0"/>
-              <a:t>19/07/2023</a:t>
+              <a:t>05/10/2023</a:t>
             </a:fld>
             <a:endParaRPr lang="en-GB"/>
           </a:p>
@@ -3243,7 +3205,7 @@
           <a:p>
             <a:fld id="{F8A5948D-6B6B-4AEB-B022-F2A9ADD6F77D}" type="datetimeFigureOut">
               <a:rPr lang="en-GB" smtClean="0"/>
-              <a:t>19/07/2023</a:t>
+              <a:t>05/10/2023</a:t>
             </a:fld>
             <a:endParaRPr lang="en-GB"/>
           </a:p>
@@ -3532,7 +3494,7 @@
           <a:p>
             <a:fld id="{F8A5948D-6B6B-4AEB-B022-F2A9ADD6F77D}" type="datetimeFigureOut">
               <a:rPr lang="en-GB" smtClean="0"/>
-              <a:t>19/07/2023</a:t>
+              <a:t>05/10/2023</a:t>
             </a:fld>
             <a:endParaRPr lang="en-GB"/>
           </a:p>
@@ -3775,7 +3737,7 @@
           <a:p>
             <a:fld id="{F8A5948D-6B6B-4AEB-B022-F2A9ADD6F77D}" type="datetimeFigureOut">
               <a:rPr lang="en-GB" smtClean="0"/>
-              <a:t>19/07/2023</a:t>
+              <a:t>05/10/2023</a:t>
             </a:fld>
             <a:endParaRPr lang="en-GB"/>
           </a:p>
@@ -4432,8 +4394,8 @@
         </p:nvSpPr>
         <p:spPr>
           <a:xfrm>
-            <a:off x="292847" y="1189318"/>
-            <a:ext cx="11761694" cy="5583621"/>
+            <a:off x="338051" y="1060516"/>
+            <a:ext cx="11853948" cy="5797484"/>
           </a:xfrm>
         </p:spPr>
         <p:txBody>
@@ -4442,17 +4404,18 @@
           </a:bodyPr>
           <a:lstStyle/>
           <a:p>
+            <a:pPr>
+              <a:lnSpc>
+                <a:spcPct val="100000"/>
+              </a:lnSpc>
+            </a:pPr>
             <a:r>
               <a:rPr lang="en-GB" dirty="0" err="1"/>
               <a:t>PluginProcessor</a:t>
             </a:r>
             <a:r>
               <a:rPr lang="en-GB" dirty="0"/>
-              <a:t> </a:t>
-            </a:r>
-            <a:r>
-              <a:rPr lang="en-GB" i="1" u="sng" dirty="0"/>
-              <a:t>handles</a:t>
+              <a:t> handles</a:t>
             </a:r>
             <a:r>
               <a:rPr lang="en-GB" u="sng" dirty="0"/>
@@ -4464,47 +4427,52 @@
             </a:r>
             <a:r>
               <a:rPr lang="en-GB" i="1" u="sng" dirty="0"/>
-              <a:t>MIDI IO </a:t>
+              <a:t>MIDI IO and processing </a:t>
             </a:r>
             <a:r>
               <a:rPr lang="en-GB" dirty="0"/>
-              <a:t>and processing logic</a:t>
-            </a:r>
-          </a:p>
-          <a:p>
+              <a:t>logic</a:t>
+            </a:r>
+          </a:p>
+          <a:p>
+            <a:pPr>
+              <a:lnSpc>
+                <a:spcPct val="100000"/>
+              </a:lnSpc>
+            </a:pPr>
             <a:r>
               <a:rPr lang="en-GB" dirty="0" err="1"/>
               <a:t>processBlock</a:t>
             </a:r>
             <a:r>
               <a:rPr lang="en-GB" dirty="0"/>
-              <a:t>() method </a:t>
+              <a:t> receives and sends both audio and </a:t>
             </a:r>
             <a:r>
               <a:rPr lang="en-GB" i="1" u="sng" dirty="0"/>
-              <a:t>receives and produces </a:t>
-            </a:r>
+              <a:t>MIDI data to plug-in output</a:t>
+            </a:r>
+          </a:p>
+          <a:p>
+            <a:pPr lvl="1">
+              <a:lnSpc>
+                <a:spcPct val="100000"/>
+              </a:lnSpc>
+            </a:pPr>
             <a:r>
               <a:rPr lang="en-GB" dirty="0"/>
-              <a:t>both audio and </a:t>
-            </a:r>
-            <a:r>
-              <a:rPr lang="en-GB" i="1" u="sng" dirty="0"/>
-              <a:t>MIDI data to the plug-in output</a:t>
-            </a:r>
-          </a:p>
-          <a:p>
-            <a:pPr lvl="1"/>
+              <a:t>Receives fixed size block of audio samples</a:t>
+            </a:r>
+          </a:p>
+          <a:p>
+            <a:pPr lvl="1">
+              <a:lnSpc>
+                <a:spcPct val="100000"/>
+              </a:lnSpc>
+            </a:pPr>
             <a:r>
               <a:rPr lang="en-GB" dirty="0"/>
-              <a:t>Generally receives fixed size block of audio samples</a:t>
-            </a:r>
-          </a:p>
-          <a:p>
-            <a:pPr lvl="1"/>
-            <a:r>
-              <a:rPr lang="en-GB" dirty="0"/>
-              <a:t>But can </a:t>
+              <a:t>Can </a:t>
             </a:r>
             <a:r>
               <a:rPr lang="en-GB" i="1" u="sng" dirty="0"/>
@@ -4512,54 +4480,88 @@
             </a:r>
           </a:p>
           <a:p>
+            <a:pPr>
+              <a:lnSpc>
+                <a:spcPct val="100000"/>
+              </a:lnSpc>
+            </a:pPr>
             <a:r>
               <a:rPr lang="en-GB" dirty="0"/>
-              <a:t>MIDI data can come from </a:t>
-            </a:r>
-          </a:p>
-          <a:p>
-            <a:pPr lvl="1"/>
+              <a:t>MIDI data from </a:t>
+            </a:r>
+          </a:p>
+          <a:p>
+            <a:pPr lvl="1">
+              <a:lnSpc>
+                <a:spcPct val="100000"/>
+              </a:lnSpc>
+            </a:pPr>
             <a:r>
               <a:rPr lang="en-GB" dirty="0"/>
               <a:t>UI callbacks</a:t>
             </a:r>
           </a:p>
           <a:p>
-            <a:pPr lvl="1"/>
+            <a:pPr lvl="1">
+              <a:lnSpc>
+                <a:spcPct val="100000"/>
+              </a:lnSpc>
+            </a:pPr>
             <a:r>
               <a:rPr lang="en-GB" dirty="0"/>
               <a:t>Internal code</a:t>
             </a:r>
           </a:p>
           <a:p>
-            <a:pPr lvl="1"/>
+            <a:pPr lvl="1">
+              <a:lnSpc>
+                <a:spcPct val="100000"/>
+              </a:lnSpc>
+            </a:pPr>
             <a:r>
               <a:rPr lang="en-GB" dirty="0"/>
               <a:t>Plugin host (including chained plugins)</a:t>
             </a:r>
           </a:p>
           <a:p>
-            <a:pPr lvl="1"/>
+            <a:pPr lvl="1">
+              <a:lnSpc>
+                <a:spcPct val="100000"/>
+              </a:lnSpc>
+            </a:pPr>
             <a:r>
               <a:rPr lang="en-GB" dirty="0"/>
               <a:t>External device</a:t>
             </a:r>
           </a:p>
           <a:p>
+            <a:pPr>
+              <a:lnSpc>
+                <a:spcPct val="100000"/>
+              </a:lnSpc>
+            </a:pPr>
             <a:r>
               <a:rPr lang="en-GB" dirty="0"/>
-              <a:t>Our Hello World will use MIDI data from a keyboard to generate sound</a:t>
-            </a:r>
-          </a:p>
-          <a:p>
-            <a:pPr lvl="1"/>
+              <a:t>Our Hello World will use MIDI data from keyboard to generate sound</a:t>
+            </a:r>
+          </a:p>
+          <a:p>
+            <a:pPr lvl="1">
+              <a:lnSpc>
+                <a:spcPct val="100000"/>
+              </a:lnSpc>
+            </a:pPr>
             <a:r>
               <a:rPr lang="en-GB" dirty="0"/>
               <a:t>Start with HelloWorld UI from Getting Started</a:t>
             </a:r>
           </a:p>
           <a:p>
-            <a:pPr lvl="1"/>
+            <a:pPr lvl="1">
+              <a:lnSpc>
+                <a:spcPct val="100000"/>
+              </a:lnSpc>
+            </a:pPr>
             <a:r>
               <a:rPr lang="en-GB" dirty="0"/>
               <a:t>No </a:t>
@@ -4575,6 +4577,53 @@
           </a:p>
         </p:txBody>
       </p:sp>
+      <p:pic>
+        <p:nvPicPr>
+          <p:cNvPr id="1026" name="Picture 2" descr="HELLO WORLD - Louie Zong (Piano Tutorial) - YouTube">
+            <a:extLst>
+              <a:ext uri="{FF2B5EF4-FFF2-40B4-BE49-F238E27FC236}">
+                <a16:creationId xmlns:a16="http://schemas.microsoft.com/office/drawing/2014/main" id="{6B47B2A3-50EE-35B9-A470-DD9507223F3E}"/>
+              </a:ext>
+            </a:extLst>
+          </p:cNvPr>
+          <p:cNvPicPr>
+            <a:picLocks noChangeAspect="1" noChangeArrowheads="1"/>
+          </p:cNvPicPr>
+          <p:nvPr/>
+        </p:nvPicPr>
+        <p:blipFill>
+          <a:blip r:embed="rId2">
+            <a:extLst>
+              <a:ext uri="{28A0092B-C50C-407E-A947-70E740481C1C}">
+                <a14:useLocalDpi xmlns:a14="http://schemas.microsoft.com/office/drawing/2010/main" val="0"/>
+              </a:ext>
+            </a:extLst>
+          </a:blip>
+          <a:srcRect/>
+          <a:stretch>
+            <a:fillRect/>
+          </a:stretch>
+        </p:blipFill>
+        <p:spPr bwMode="auto">
+          <a:xfrm>
+            <a:off x="6842429" y="2221747"/>
+            <a:ext cx="5212112" cy="2918783"/>
+          </a:xfrm>
+          <a:prstGeom prst="rect">
+            <a:avLst/>
+          </a:prstGeom>
+          <a:noFill/>
+          <a:extLst>
+            <a:ext uri="{909E8E84-426E-40DD-AFC4-6F175D3DCCD1}">
+              <a14:hiddenFill xmlns:a14="http://schemas.microsoft.com/office/drawing/2010/main">
+                <a:solidFill>
+                  <a:srgbClr val="FFFFFF"/>
+                </a:solidFill>
+              </a14:hiddenFill>
+            </a:ext>
+          </a:extLst>
+        </p:spPr>
+      </p:pic>
     </p:spTree>
     <p:extLst>
       <p:ext uri="{BB962C8B-B14F-4D97-AF65-F5344CB8AC3E}">
@@ -4661,8 +4710,53 @@
           </a:bodyPr>
           <a:lstStyle/>
           <a:p>
-            <a:r>
-              <a:rPr kumimoji="0" lang="en-GB" sz="2400" b="0" i="0" u="none" strike="noStrike" kern="1200" cap="none" spc="0" normalizeH="0" baseline="0" noProof="0" dirty="0" err="1">
+            <a:pPr>
+              <a:lnSpc>
+                <a:spcPct val="100000"/>
+              </a:lnSpc>
+            </a:pPr>
+            <a:r>
+              <a:rPr lang="en-GB" dirty="0">
+                <a:solidFill>
+                  <a:prstClr val="black"/>
+                </a:solidFill>
+              </a:rPr>
+              <a:t>Define </a:t>
+            </a:r>
+            <a:r>
+              <a:rPr lang="en-GB" dirty="0">
+                <a:solidFill>
+                  <a:srgbClr val="0D21B3"/>
+                </a:solidFill>
+              </a:rPr>
+              <a:t>MidiKeyboardComponent</a:t>
+            </a:r>
+            <a:r>
+              <a:rPr lang="en-GB" dirty="0">
+                <a:solidFill>
+                  <a:prstClr val="black"/>
+                </a:solidFill>
+              </a:rPr>
+              <a:t> and </a:t>
+            </a:r>
+            <a:r>
+              <a:rPr lang="en-GB" dirty="0" err="1">
+                <a:solidFill>
+                  <a:srgbClr val="0D21B3"/>
+                </a:solidFill>
+              </a:rPr>
+              <a:t>MidiKeyboardState</a:t>
+            </a:r>
+            <a:r>
+              <a:rPr lang="en-GB" dirty="0">
+                <a:solidFill>
+                  <a:srgbClr val="0D21B3"/>
+                </a:solidFill>
+              </a:rPr>
+              <a:t> </a:t>
+            </a:r>
+            <a:r>
+              <a:rPr kumimoji="0" lang="en-GB" b="0" i="0" u="none" strike="noStrike" kern="1200" cap="none" spc="0" normalizeH="0" baseline="0" noProof="0" dirty="0">
                 <a:ln>
                   <a:noFill/>
                 </a:ln>
@@ -4675,15 +4769,32 @@
                 <a:ea typeface="+mn-ea"/>
                 <a:cs typeface="+mn-cs"/>
               </a:rPr>
-              <a:t>MidiKeyboardComponent</a:t>
-            </a:r>
-            <a:r>
-              <a:rPr kumimoji="0" lang="en-GB" sz="2400" b="0" i="0" u="none" strike="noStrike" kern="1200" cap="none" spc="0" normalizeH="0" baseline="0" noProof="0" dirty="0">
+              <a:t>classes </a:t>
+            </a:r>
+            <a:r>
+              <a:rPr lang="en-GB" dirty="0">
+                <a:solidFill>
+                  <a:prstClr val="black"/>
+                </a:solidFill>
+              </a:rPr>
+              <a:t>in header files</a:t>
+            </a:r>
+          </a:p>
+          <a:p>
+            <a:pPr lvl="1">
+              <a:lnSpc>
+                <a:spcPct val="100000"/>
+              </a:lnSpc>
+              <a:buFont typeface="Courier New" panose="02070309020205020404" pitchFamily="49" charset="0"/>
+              <a:buChar char="o"/>
+            </a:pPr>
+            <a:r>
+              <a:rPr kumimoji="0" lang="en-GB" b="0" i="0" u="none" strike="noStrike" kern="1200" cap="none" spc="0" normalizeH="0" baseline="0" noProof="0" dirty="0">
                 <a:ln>
                   <a:noFill/>
                 </a:ln>
                 <a:solidFill>
-                  <a:prstClr val="black"/>
+                  <a:srgbClr val="0D21B3"/>
                 </a:solidFill>
                 <a:effectLst/>
                 <a:uLnTx/>
@@ -4691,12 +4802,10 @@
                 <a:ea typeface="+mn-ea"/>
                 <a:cs typeface="+mn-cs"/>
               </a:rPr>
-              <a:t> class allows you to display on-screen keyboard</a:t>
-            </a:r>
-          </a:p>
-          <a:p>
-            <a:r>
-              <a:rPr kumimoji="0" lang="en-GB" sz="2400" b="0" i="0" u="none" strike="noStrike" kern="1200" cap="none" spc="0" normalizeH="0" baseline="0" noProof="0" dirty="0" err="1">
+              <a:t>MidiKeyboardComponent</a:t>
+            </a:r>
+            <a:r>
+              <a:rPr kumimoji="0" lang="en-GB" b="0" i="0" u="none" strike="noStrike" kern="1200" cap="none" spc="0" normalizeH="0" baseline="0" noProof="0" dirty="0">
                 <a:ln>
                   <a:noFill/>
                 </a:ln>
@@ -4709,15 +4818,24 @@
                 <a:ea typeface="+mn-ea"/>
                 <a:cs typeface="+mn-cs"/>
               </a:rPr>
-              <a:t>MidiKeyboardState</a:t>
-            </a:r>
-            <a:r>
-              <a:rPr kumimoji="0" lang="en-GB" sz="2400" b="0" i="0" u="none" strike="noStrike" kern="1200" cap="none" spc="0" normalizeH="0" baseline="0" noProof="0" dirty="0">
+              <a:t> displays the on-screen keyboard</a:t>
+            </a:r>
+          </a:p>
+          <a:p>
+            <a:pPr lvl="1">
+              <a:lnSpc>
+                <a:spcPct val="100000"/>
+              </a:lnSpc>
+              <a:buFont typeface="Courier New" panose="02070309020205020404" pitchFamily="49" charset="0"/>
+              <a:buChar char="o"/>
+            </a:pPr>
+            <a:r>
+              <a:rPr kumimoji="0" lang="en-GB" b="0" i="0" u="none" strike="noStrike" kern="1200" cap="none" spc="0" normalizeH="0" baseline="0" noProof="0" dirty="0" err="1">
                 <a:ln>
                   <a:noFill/>
                 </a:ln>
                 <a:solidFill>
-                  <a:prstClr val="black"/>
+                  <a:srgbClr val="0D21B3"/>
                 </a:solidFill>
                 <a:effectLst/>
                 <a:uLnTx/>
@@ -4725,42 +4843,25 @@
                 <a:ea typeface="+mn-ea"/>
                 <a:cs typeface="+mn-cs"/>
               </a:rPr>
-              <a:t> class keeps track of which MIDI keys are currently held down</a:t>
-            </a:r>
-          </a:p>
-          <a:p>
-            <a:r>
-              <a:rPr lang="en-GB" sz="2400" dirty="0">
+              <a:t>MidiKeyboardState</a:t>
+            </a:r>
+            <a:r>
+              <a:rPr kumimoji="0" lang="en-GB" b="0" i="0" u="none" strike="noStrike" kern="1200" cap="none" spc="0" normalizeH="0" baseline="0" noProof="0" dirty="0">
+                <a:ln>
+                  <a:noFill/>
+                </a:ln>
                 <a:solidFill>
                   <a:prstClr val="black"/>
                 </a:solidFill>
-              </a:rPr>
-              <a:t>Define them in header files</a:t>
-            </a:r>
-            <a:endParaRPr kumimoji="0" lang="en-GB" sz="2400" b="0" i="0" u="none" strike="noStrike" kern="1200" cap="none" spc="0" normalizeH="0" baseline="0" noProof="0" dirty="0">
-              <a:ln>
-                <a:noFill/>
-              </a:ln>
-              <a:solidFill>
-                <a:prstClr val="black"/>
-              </a:solidFill>
-              <a:effectLst/>
-              <a:uLnTx/>
-              <a:uFillTx/>
-              <a:ea typeface="+mn-ea"/>
-              <a:cs typeface="+mn-cs"/>
-            </a:endParaRPr>
-          </a:p>
-          <a:p>
-            <a:r>
-              <a:rPr lang="en-GB" sz="2400" dirty="0" err="1"/>
-              <a:t>keyboardState</a:t>
-            </a:r>
-            <a:r>
-              <a:rPr lang="en-GB" sz="2400" dirty="0"/>
-              <a:t> is public in processor to process midi regardless whether editor shown</a:t>
-            </a:r>
-            <a:endParaRPr lang="en-GB" sz="2000" dirty="0"/>
+                <a:effectLst/>
+                <a:uLnTx/>
+                <a:uFillTx/>
+                <a:ea typeface="+mn-ea"/>
+                <a:cs typeface="+mn-cs"/>
+              </a:rPr>
+              <a:t> keeps track of which MIDI keys are currently held down</a:t>
+            </a:r>
+            <a:endParaRPr lang="en-GB" dirty="0"/>
           </a:p>
         </p:txBody>
       </p:sp>
@@ -4778,8 +4879,8 @@
         </p:nvSpPr>
         <p:spPr>
           <a:xfrm>
-            <a:off x="719407" y="2967058"/>
-            <a:ext cx="10353332" cy="3178561"/>
+            <a:off x="338203" y="2967058"/>
+            <a:ext cx="11542734" cy="3477875"/>
           </a:xfrm>
           <a:prstGeom prst="rect">
             <a:avLst/>
@@ -4798,7 +4899,7 @@
           <a:lstStyle/>
           <a:p>
             <a:r>
-              <a:rPr lang="en-GB" sz="1800" dirty="0">
+              <a:rPr lang="en-GB" sz="2000" dirty="0">
                 <a:solidFill>
                   <a:srgbClr val="008000"/>
                 </a:solidFill>
@@ -4807,15 +4908,15 @@
               <a:t>// </a:t>
             </a:r>
             <a:r>
-              <a:rPr lang="en-GB" sz="1800" dirty="0" err="1">
+              <a:rPr lang="en-GB" sz="2000" dirty="0" err="1">
                 <a:solidFill>
                   <a:srgbClr val="008000"/>
                 </a:solidFill>
                 <a:latin typeface="Cascadia Mono" panose="020B0609020000020004" pitchFamily="49" charset="0"/>
               </a:rPr>
-              <a:t>PluginProcessor.h</a:t>
-            </a:r>
-            <a:endParaRPr lang="en-GB" sz="1800" dirty="0">
+              <a:t>PluginEditor.h</a:t>
+            </a:r>
+            <a:endParaRPr lang="en-GB" sz="2000" dirty="0">
               <a:solidFill>
                 <a:srgbClr val="008000"/>
               </a:solidFill>
@@ -4824,7 +4925,7 @@
           </a:p>
           <a:p>
             <a:r>
-              <a:rPr lang="en-GB" sz="1800" dirty="0">
+              <a:rPr lang="en-GB" sz="2000" dirty="0">
                 <a:solidFill>
                   <a:srgbClr val="0000FF"/>
                 </a:solidFill>
@@ -4833,7 +4934,7 @@
               <a:t>class</a:t>
             </a:r>
             <a:r>
-              <a:rPr lang="en-GB" sz="1800" dirty="0">
+              <a:rPr lang="en-GB" sz="2000" dirty="0">
                 <a:solidFill>
                   <a:srgbClr val="000000"/>
                 </a:solidFill>
@@ -4842,7 +4943,7 @@
               <a:t> </a:t>
             </a:r>
             <a:r>
-              <a:rPr lang="en-GB" sz="1800" dirty="0" err="1">
+              <a:rPr lang="en-GB" sz="2000" dirty="0" err="1">
                 <a:solidFill>
                   <a:srgbClr val="000000"/>
                 </a:solidFill>
@@ -4851,7 +4952,7 @@
               <a:t>NewProjectAudioProcessorEditor</a:t>
             </a:r>
             <a:r>
-              <a:rPr lang="en-GB" sz="1800" dirty="0">
+              <a:rPr lang="en-GB" sz="2000" dirty="0">
                 <a:solidFill>
                   <a:srgbClr val="000000"/>
                 </a:solidFill>
@@ -4860,7 +4961,7 @@
               <a:t>  : </a:t>
             </a:r>
             <a:r>
-              <a:rPr lang="en-GB" sz="1800" dirty="0">
+              <a:rPr lang="en-GB" sz="2000" dirty="0">
                 <a:solidFill>
                   <a:srgbClr val="0000FF"/>
                 </a:solidFill>
@@ -4869,7 +4970,7 @@
               <a:t>public</a:t>
             </a:r>
             <a:r>
-              <a:rPr lang="en-GB" sz="1800" dirty="0">
+              <a:rPr lang="en-GB" sz="2000" dirty="0">
                 <a:solidFill>
                   <a:srgbClr val="000000"/>
                 </a:solidFill>
@@ -4878,7 +4979,7 @@
               <a:t> </a:t>
             </a:r>
             <a:r>
-              <a:rPr lang="en-GB" sz="1800" dirty="0" err="1">
+              <a:rPr lang="en-GB" sz="2000" dirty="0" err="1">
                 <a:solidFill>
                   <a:srgbClr val="000000"/>
                 </a:solidFill>
@@ -4887,7 +4988,7 @@
               <a:t>juce</a:t>
             </a:r>
             <a:r>
-              <a:rPr lang="en-GB" sz="1800" dirty="0">
+              <a:rPr lang="en-GB" sz="2000" dirty="0">
                 <a:solidFill>
                   <a:srgbClr val="000000"/>
                 </a:solidFill>
@@ -4896,7 +4997,7 @@
               <a:t>::</a:t>
             </a:r>
             <a:r>
-              <a:rPr lang="en-GB" sz="1800" dirty="0" err="1">
+              <a:rPr lang="en-GB" sz="2000" dirty="0" err="1">
                 <a:solidFill>
                   <a:srgbClr val="000000"/>
                 </a:solidFill>
@@ -4905,7 +5006,7 @@
               <a:t>AudioProcessorEditor</a:t>
             </a:r>
             <a:r>
-              <a:rPr lang="en-GB" sz="1800" dirty="0">
+              <a:rPr lang="en-GB" sz="2000" dirty="0">
                 <a:solidFill>
                   <a:srgbClr val="000000"/>
                 </a:solidFill>
@@ -4916,7 +5017,7 @@
           </a:p>
           <a:p>
             <a:r>
-              <a:rPr lang="en-GB" sz="1800" dirty="0">
+              <a:rPr lang="en-GB" sz="2000" dirty="0">
                 <a:solidFill>
                   <a:srgbClr val="0000FF"/>
                 </a:solidFill>
@@ -4925,7 +5026,7 @@
               <a:t>private</a:t>
             </a:r>
             <a:r>
-              <a:rPr lang="en-GB" sz="1800" dirty="0">
+              <a:rPr lang="en-GB" sz="2000" dirty="0">
                 <a:solidFill>
                   <a:srgbClr val="000000"/>
                 </a:solidFill>
@@ -4936,16 +5037,7 @@
           </a:p>
           <a:p>
             <a:r>
-              <a:rPr lang="en-GB" sz="1800" dirty="0">
-                <a:solidFill>
-                  <a:srgbClr val="000000"/>
-                </a:solidFill>
-                <a:latin typeface="Cascadia Mono" panose="020B0609020000020004" pitchFamily="49" charset="0"/>
-              </a:rPr>
-              <a:t>    </a:t>
-            </a:r>
-            <a:r>
-              <a:rPr lang="en-GB" sz="1800" dirty="0">
+              <a:rPr lang="en-GB" sz="2000" dirty="0">
                 <a:solidFill>
                   <a:srgbClr val="008000"/>
                 </a:solidFill>
@@ -4953,7 +5045,7 @@
               </a:rPr>
               <a:t>…</a:t>
             </a:r>
-            <a:endParaRPr lang="en-GB" sz="1800" dirty="0">
+            <a:endParaRPr lang="en-GB" sz="2000" dirty="0">
               <a:solidFill>
                 <a:srgbClr val="000000"/>
               </a:solidFill>
@@ -4962,34 +5054,16 @@
           </a:p>
           <a:p>
             <a:r>
-              <a:rPr lang="en-GB" sz="1800" dirty="0">
-                <a:solidFill>
-                  <a:srgbClr val="000000"/>
-                </a:solidFill>
-                <a:latin typeface="Cascadia Mono" panose="020B0609020000020004" pitchFamily="49" charset="0"/>
-              </a:rPr>
-              <a:t>    </a:t>
-            </a:r>
-            <a:r>
-              <a:rPr lang="en-GB" sz="1800" dirty="0" err="1">
-                <a:solidFill>
-                  <a:srgbClr val="000000"/>
-                </a:solidFill>
-                <a:latin typeface="Cascadia Mono" panose="020B0609020000020004" pitchFamily="49" charset="0"/>
-              </a:rPr>
-              <a:t>MidiKeyboardComponent</a:t>
-            </a:r>
-            <a:r>
-              <a:rPr lang="en-GB" sz="1800" dirty="0">
-                <a:solidFill>
-                  <a:srgbClr val="000000"/>
-                </a:solidFill>
-                <a:latin typeface="Cascadia Mono" panose="020B0609020000020004" pitchFamily="49" charset="0"/>
-              </a:rPr>
-              <a:t> </a:t>
-            </a:r>
-            <a:r>
-              <a:rPr lang="en-GB" sz="1800" dirty="0" err="1">
+              <a:rPr lang="en-GB" sz="2000" dirty="0">
+                <a:solidFill>
+                  <a:srgbClr val="000000"/>
+                </a:solidFill>
+                <a:latin typeface="Cascadia Mono" panose="020B0609020000020004" pitchFamily="49" charset="0"/>
+              </a:rPr>
+              <a:t>  MidiKeyboardComponent </a:t>
+            </a:r>
+            <a:r>
+              <a:rPr lang="en-GB" sz="2000" dirty="0" err="1">
                 <a:solidFill>
                   <a:srgbClr val="000000"/>
                 </a:solidFill>
@@ -4998,7 +5072,7 @@
               <a:t>myKeyboard</a:t>
             </a:r>
             <a:r>
-              <a:rPr lang="en-GB" sz="1800" dirty="0">
+              <a:rPr lang="en-GB" sz="2000" dirty="0">
                 <a:solidFill>
                   <a:srgbClr val="000000"/>
                 </a:solidFill>
@@ -5008,7 +5082,7 @@
             </a:r>
           </a:p>
           <a:p>
-            <a:endParaRPr lang="en-GB" sz="1800" dirty="0">
+            <a:endParaRPr lang="en-GB" sz="2000" dirty="0">
               <a:solidFill>
                 <a:srgbClr val="000000"/>
               </a:solidFill>
@@ -5017,7 +5091,7 @@
           </a:p>
           <a:p>
             <a:r>
-              <a:rPr lang="en-GB" sz="1800" dirty="0">
+              <a:rPr lang="en-GB" sz="2000" dirty="0">
                 <a:solidFill>
                   <a:srgbClr val="008000"/>
                 </a:solidFill>
@@ -5026,7 +5100,7 @@
               <a:t>// </a:t>
             </a:r>
             <a:r>
-              <a:rPr lang="en-GB" sz="1800" dirty="0" err="1">
+              <a:rPr lang="en-GB" sz="2000" dirty="0" err="1">
                 <a:solidFill>
                   <a:srgbClr val="008000"/>
                 </a:solidFill>
@@ -5034,7 +5108,7 @@
               </a:rPr>
               <a:t>PluginProcessor.h</a:t>
             </a:r>
-            <a:endParaRPr lang="en-GB" sz="1800" dirty="0">
+            <a:endParaRPr lang="en-GB" sz="2000" dirty="0">
               <a:solidFill>
                 <a:srgbClr val="008000"/>
               </a:solidFill>
@@ -5043,7 +5117,7 @@
           </a:p>
           <a:p>
             <a:r>
-              <a:rPr lang="en-GB" sz="1800" dirty="0">
+              <a:rPr lang="en-GB" sz="2000" dirty="0">
                 <a:solidFill>
                   <a:srgbClr val="0000FF"/>
                 </a:solidFill>
@@ -5052,7 +5126,7 @@
               <a:t>class</a:t>
             </a:r>
             <a:r>
-              <a:rPr lang="en-GB" sz="1800" dirty="0">
+              <a:rPr lang="en-GB" sz="2000" dirty="0">
                 <a:solidFill>
                   <a:srgbClr val="000000"/>
                 </a:solidFill>
@@ -5061,7 +5135,7 @@
               <a:t> </a:t>
             </a:r>
             <a:r>
-              <a:rPr lang="en-GB" sz="1800" dirty="0" err="1">
+              <a:rPr lang="en-GB" sz="2000" dirty="0" err="1">
                 <a:solidFill>
                   <a:srgbClr val="2B91AF"/>
                 </a:solidFill>
@@ -5070,7 +5144,7 @@
               <a:t>NewProjectAudioProcessor</a:t>
             </a:r>
             <a:r>
-              <a:rPr lang="en-GB" sz="1800" dirty="0">
+              <a:rPr lang="en-GB" sz="2000" dirty="0">
                 <a:solidFill>
                   <a:srgbClr val="000000"/>
                 </a:solidFill>
@@ -5079,7 +5153,7 @@
               <a:t>  : </a:t>
             </a:r>
             <a:r>
-              <a:rPr lang="en-GB" sz="1800" dirty="0">
+              <a:rPr lang="en-GB" sz="2000" dirty="0">
                 <a:solidFill>
                   <a:srgbClr val="0000FF"/>
                 </a:solidFill>
@@ -5088,7 +5162,7 @@
               <a:t>public</a:t>
             </a:r>
             <a:r>
-              <a:rPr lang="en-GB" sz="1800" dirty="0">
+              <a:rPr lang="en-GB" sz="2000" dirty="0">
                 <a:solidFill>
                   <a:srgbClr val="000000"/>
                 </a:solidFill>
@@ -5097,7 +5171,7 @@
               <a:t> </a:t>
             </a:r>
             <a:r>
-              <a:rPr lang="en-GB" sz="1800" dirty="0" err="1">
+              <a:rPr lang="en-GB" sz="2000" dirty="0" err="1">
                 <a:solidFill>
                   <a:srgbClr val="000000"/>
                 </a:solidFill>
@@ -5106,7 +5180,7 @@
               <a:t>juce</a:t>
             </a:r>
             <a:r>
-              <a:rPr lang="en-GB" sz="1800" dirty="0">
+              <a:rPr lang="en-GB" sz="2000" dirty="0">
                 <a:solidFill>
                   <a:srgbClr val="000000"/>
                 </a:solidFill>
@@ -5115,7 +5189,7 @@
               <a:t>::</a:t>
             </a:r>
             <a:r>
-              <a:rPr lang="en-GB" sz="1800" dirty="0" err="1">
+              <a:rPr lang="en-GB" sz="2000" dirty="0" err="1">
                 <a:solidFill>
                   <a:srgbClr val="2B91AF"/>
                 </a:solidFill>
@@ -5124,7 +5198,7 @@
               <a:t>AudioProcessor</a:t>
             </a:r>
             <a:r>
-              <a:rPr lang="en-GB" sz="1800" dirty="0">
+              <a:rPr lang="en-GB" sz="2000" dirty="0">
                 <a:solidFill>
                   <a:srgbClr val="000000"/>
                 </a:solidFill>
@@ -5135,7 +5209,7 @@
           </a:p>
           <a:p>
             <a:r>
-              <a:rPr lang="en-GB" sz="1800" dirty="0">
+              <a:rPr lang="en-GB" sz="2000" dirty="0">
                 <a:solidFill>
                   <a:srgbClr val="0000FF"/>
                 </a:solidFill>
@@ -5144,7 +5218,7 @@
               <a:t>public</a:t>
             </a:r>
             <a:r>
-              <a:rPr lang="en-GB" sz="1800" dirty="0">
+              <a:rPr lang="en-GB" sz="2000" dirty="0">
                 <a:solidFill>
                   <a:srgbClr val="000000"/>
                 </a:solidFill>
@@ -5152,7 +5226,7 @@
               </a:rPr>
               <a:t>:</a:t>
             </a:r>
-            <a:endParaRPr lang="en-GB" sz="1800" dirty="0">
+            <a:endParaRPr lang="en-GB" sz="2000" dirty="0">
               <a:solidFill>
                 <a:srgbClr val="008000"/>
               </a:solidFill>
@@ -5161,7 +5235,7 @@
           </a:p>
           <a:p>
             <a:r>
-              <a:rPr lang="en-GB" sz="1800" dirty="0">
+              <a:rPr lang="en-GB" sz="2000" dirty="0">
                 <a:solidFill>
                   <a:srgbClr val="000000"/>
                 </a:solidFill>
@@ -5172,7 +5246,7 @@
           </a:p>
           <a:p>
             <a:r>
-              <a:rPr lang="en-GB" dirty="0">
+              <a:rPr lang="en-GB" sz="2000" dirty="0">
                 <a:solidFill>
                   <a:srgbClr val="000000"/>
                 </a:solidFill>
@@ -5181,7 +5255,7 @@
               <a:t>  </a:t>
             </a:r>
             <a:r>
-              <a:rPr lang="en-GB" sz="1800" dirty="0" err="1">
+              <a:rPr lang="en-GB" sz="2000" dirty="0" err="1">
                 <a:solidFill>
                   <a:srgbClr val="2B91AF"/>
                 </a:solidFill>
@@ -5190,7 +5264,7 @@
               <a:t>MidiKeyboardState</a:t>
             </a:r>
             <a:r>
-              <a:rPr lang="en-GB" sz="1800" dirty="0">
+              <a:rPr lang="en-GB" sz="2000" dirty="0">
                 <a:solidFill>
                   <a:srgbClr val="000000"/>
                 </a:solidFill>
@@ -5199,7 +5273,7 @@
               <a:t> </a:t>
             </a:r>
             <a:r>
-              <a:rPr lang="en-GB" sz="1800" dirty="0" err="1">
+              <a:rPr lang="en-GB" sz="2000" dirty="0" err="1">
                 <a:solidFill>
                   <a:srgbClr val="000000"/>
                 </a:solidFill>
@@ -5208,7 +5282,7 @@
               <a:t>keyboardState</a:t>
             </a:r>
             <a:r>
-              <a:rPr lang="en-GB" sz="1800" dirty="0">
+              <a:rPr lang="en-GB" sz="2000" dirty="0">
                 <a:solidFill>
                   <a:srgbClr val="000000"/>
                 </a:solidFill>
@@ -5219,6 +5293,97 @@
           </a:p>
         </p:txBody>
       </p:sp>
+      <p:sp>
+        <p:nvSpPr>
+          <p:cNvPr id="4" name="TextBox 3">
+            <a:extLst>
+              <a:ext uri="{FF2B5EF4-FFF2-40B4-BE49-F238E27FC236}">
+                <a16:creationId xmlns:a16="http://schemas.microsoft.com/office/drawing/2014/main" id="{172A6E87-F439-B9BA-5721-912CE26D6924}"/>
+              </a:ext>
+            </a:extLst>
+          </p:cNvPr>
+          <p:cNvSpPr txBox="1"/>
+          <p:nvPr/>
+        </p:nvSpPr>
+        <p:spPr>
+          <a:xfrm>
+            <a:off x="4317948" y="3826675"/>
+            <a:ext cx="3801686" cy="1061829"/>
+          </a:xfrm>
+          <a:prstGeom prst="rect">
+            <a:avLst/>
+          </a:prstGeom>
+          <a:solidFill>
+            <a:schemeClr val="bg1"/>
+          </a:solidFill>
+          <a:ln w="19050">
+            <a:solidFill>
+              <a:srgbClr val="FF0000"/>
+            </a:solidFill>
+          </a:ln>
+        </p:spPr>
+        <p:txBody>
+          <a:bodyPr wrap="square" rtlCol="0">
+            <a:spAutoFit/>
+          </a:bodyPr>
+          <a:lstStyle/>
+          <a:p>
+            <a:r>
+              <a:rPr lang="en-GB" sz="2100" dirty="0" err="1"/>
+              <a:t>keyboardState</a:t>
+            </a:r>
+            <a:r>
+              <a:rPr lang="en-GB" sz="2100" dirty="0"/>
+              <a:t> is public here in order to process midi regardless of whether editor is  shown</a:t>
+            </a:r>
+          </a:p>
+        </p:txBody>
+      </p:sp>
+      <p:cxnSp>
+        <p:nvCxnSpPr>
+          <p:cNvPr id="6" name="Straight Arrow Connector 5">
+            <a:extLst>
+              <a:ext uri="{FF2B5EF4-FFF2-40B4-BE49-F238E27FC236}">
+                <a16:creationId xmlns:a16="http://schemas.microsoft.com/office/drawing/2014/main" id="{B4AE08F0-033A-F36F-08E2-426AAE7D6E3D}"/>
+              </a:ext>
+            </a:extLst>
+          </p:cNvPr>
+          <p:cNvCxnSpPr>
+            <a:cxnSpLocks/>
+            <a:stCxn id="4" idx="2"/>
+          </p:cNvCxnSpPr>
+          <p:nvPr/>
+        </p:nvCxnSpPr>
+        <p:spPr>
+          <a:xfrm flipH="1">
+            <a:off x="1885167" y="4888504"/>
+            <a:ext cx="4333624" cy="654263"/>
+          </a:xfrm>
+          <a:prstGeom prst="straightConnector1">
+            <a:avLst/>
+          </a:prstGeom>
+          <a:ln w="25400">
+            <a:solidFill>
+              <a:srgbClr val="FF0000"/>
+            </a:solidFill>
+            <a:tailEnd type="triangle" w="lg" len="lg"/>
+          </a:ln>
+        </p:spPr>
+        <p:style>
+          <a:lnRef idx="1">
+            <a:schemeClr val="accent1"/>
+          </a:lnRef>
+          <a:fillRef idx="0">
+            <a:schemeClr val="accent1"/>
+          </a:fillRef>
+          <a:effectRef idx="0">
+            <a:schemeClr val="accent1"/>
+          </a:effectRef>
+          <a:fontRef idx="minor">
+            <a:schemeClr val="tx1"/>
+          </a:fontRef>
+        </p:style>
+      </p:cxnSp>
     </p:spTree>
     <p:extLst>
       <p:ext uri="{BB962C8B-B14F-4D97-AF65-F5344CB8AC3E}">
@@ -5229,6 +5394,111 @@
   <p:clrMapOvr>
     <a:masterClrMapping/>
   </p:clrMapOvr>
+  <p:timing>
+    <p:tnLst>
+      <p:par>
+        <p:cTn id="1" dur="indefinite" restart="never" nodeType="tmRoot">
+          <p:childTnLst>
+            <p:seq concurrent="1" nextAc="seek">
+              <p:cTn id="2" dur="indefinite" nodeType="mainSeq">
+                <p:childTnLst>
+                  <p:par>
+                    <p:cTn id="3" fill="hold">
+                      <p:stCondLst>
+                        <p:cond delay="indefinite"/>
+                      </p:stCondLst>
+                      <p:childTnLst>
+                        <p:par>
+                          <p:cTn id="4" fill="hold">
+                            <p:stCondLst>
+                              <p:cond delay="0"/>
+                            </p:stCondLst>
+                            <p:childTnLst>
+                              <p:par>
+                                <p:cTn id="5" presetID="1" presetClass="entr" presetSubtype="0" fill="hold" grpId="0" nodeType="clickEffect">
+                                  <p:stCondLst>
+                                    <p:cond delay="0"/>
+                                  </p:stCondLst>
+                                  <p:childTnLst>
+                                    <p:set>
+                                      <p:cBhvr>
+                                        <p:cTn id="6" dur="1" fill="hold">
+                                          <p:stCondLst>
+                                            <p:cond delay="0"/>
+                                          </p:stCondLst>
+                                        </p:cTn>
+                                        <p:tgtEl>
+                                          <p:spTgt spid="4"/>
+                                        </p:tgtEl>
+                                        <p:attrNameLst>
+                                          <p:attrName>style.visibility</p:attrName>
+                                        </p:attrNameLst>
+                                      </p:cBhvr>
+                                      <p:to>
+                                        <p:strVal val="visible"/>
+                                      </p:to>
+                                    </p:set>
+                                  </p:childTnLst>
+                                </p:cTn>
+                              </p:par>
+                              <p:par>
+                                <p:cTn id="7" presetID="1" presetClass="entr" presetSubtype="0" fill="hold" nodeType="withEffect">
+                                  <p:stCondLst>
+                                    <p:cond delay="0"/>
+                                  </p:stCondLst>
+                                  <p:childTnLst>
+                                    <p:set>
+                                      <p:cBhvr>
+                                        <p:cTn id="8" dur="1" fill="hold">
+                                          <p:stCondLst>
+                                            <p:cond delay="0"/>
+                                          </p:stCondLst>
+                                        </p:cTn>
+                                        <p:tgtEl>
+                                          <p:spTgt spid="6"/>
+                                        </p:tgtEl>
+                                        <p:attrNameLst>
+                                          <p:attrName>style.visibility</p:attrName>
+                                        </p:attrNameLst>
+                                      </p:cBhvr>
+                                      <p:to>
+                                        <p:strVal val="visible"/>
+                                      </p:to>
+                                    </p:set>
+                                  </p:childTnLst>
+                                </p:cTn>
+                              </p:par>
+                            </p:childTnLst>
+                          </p:cTn>
+                        </p:par>
+                      </p:childTnLst>
+                    </p:cTn>
+                  </p:par>
+                </p:childTnLst>
+              </p:cTn>
+              <p:prevCondLst>
+                <p:cond evt="onPrev" delay="0">
+                  <p:tgtEl>
+                    <p:sldTgt/>
+                  </p:tgtEl>
+                </p:cond>
+              </p:prevCondLst>
+              <p:nextCondLst>
+                <p:cond evt="onNext" delay="0">
+                  <p:tgtEl>
+                    <p:sldTgt/>
+                  </p:tgtEl>
+                </p:cond>
+              </p:nextCondLst>
+            </p:seq>
+          </p:childTnLst>
+        </p:cTn>
+      </p:par>
+    </p:tnLst>
+    <p:bldLst>
+      <p:bldP spid="4" grpId="0" animBg="1"/>
+    </p:bldLst>
+  </p:timing>
 </p:sld>
 </file>
 
@@ -5305,128 +5575,70 @@
           </a:bodyPr>
           <a:lstStyle/>
           <a:p>
+            <a:pPr>
+              <a:lnSpc>
+                <a:spcPct val="100000"/>
+              </a:lnSpc>
+            </a:pPr>
+            <a:r>
+              <a:rPr lang="en-GB" sz="2600" b="0" i="0" dirty="0">
+                <a:solidFill>
+                  <a:srgbClr val="0D21B3"/>
+                </a:solidFill>
+                <a:effectLst/>
+              </a:rPr>
+              <a:t>MidiKeyboardComponent</a:t>
+            </a:r>
+            <a:r>
+              <a:rPr lang="en-GB" sz="2600" b="0" i="0" dirty="0">
+                <a:solidFill>
+                  <a:srgbClr val="090909"/>
+                </a:solidFill>
+                <a:effectLst/>
+              </a:rPr>
+              <a:t> needs </a:t>
+            </a:r>
             <a:r>
               <a:rPr lang="en-GB" sz="2600" b="0" i="0" dirty="0" err="1">
                 <a:solidFill>
+                  <a:srgbClr val="0D21B3"/>
+                </a:solidFill>
+                <a:effectLst/>
+              </a:rPr>
+              <a:t>MidiKeyboardState</a:t>
+            </a:r>
+            <a:r>
+              <a:rPr lang="en-GB" sz="2600" b="0" i="0" dirty="0">
+                <a:solidFill>
                   <a:srgbClr val="090909"/>
                 </a:solidFill>
                 <a:effectLst/>
               </a:rPr>
-              <a:t>MidiKeyboardComponent</a:t>
-            </a:r>
-            <a:r>
-              <a:rPr lang="en-GB" sz="2600" b="0" i="0" dirty="0">
-                <a:solidFill>
-                  <a:srgbClr val="090909"/>
-                </a:solidFill>
-                <a:effectLst/>
-              </a:rPr>
-              <a:t> needs </a:t>
-            </a:r>
-            <a:r>
-              <a:rPr lang="en-GB" sz="2600" b="0" i="0" dirty="0" err="1">
-                <a:solidFill>
-                  <a:srgbClr val="090909"/>
-                </a:solidFill>
-                <a:effectLst/>
+              <a:t> and orientation as arguments</a:t>
+            </a:r>
+          </a:p>
+          <a:p>
+            <a:pPr>
+              <a:lnSpc>
+                <a:spcPct val="100000"/>
+              </a:lnSpc>
+            </a:pPr>
+            <a:r>
+              <a:rPr lang="en-GB" sz="2600" dirty="0">
+                <a:solidFill>
+                  <a:prstClr val="black"/>
+                </a:solidFill>
+              </a:rPr>
+              <a:t>Processor needs to give access to </a:t>
+            </a:r>
+            <a:r>
+              <a:rPr lang="en-GB" sz="2600" dirty="0" err="1">
+                <a:solidFill>
+                  <a:srgbClr val="0D21B3"/>
+                </a:solidFill>
               </a:rPr>
               <a:t>MidiKeyboardState</a:t>
             </a:r>
-            <a:r>
-              <a:rPr lang="en-GB" sz="2600" b="0" i="0" dirty="0">
-                <a:solidFill>
-                  <a:srgbClr val="090909"/>
-                </a:solidFill>
-                <a:effectLst/>
-              </a:rPr>
-              <a:t> and orientation as arguments</a:t>
-            </a:r>
-          </a:p>
-          <a:p>
-            <a:r>
-              <a:rPr lang="en-GB" sz="2600" dirty="0">
-                <a:solidFill>
-                  <a:prstClr val="black"/>
-                </a:solidFill>
-              </a:rPr>
-              <a:t>Processor needs to give access to </a:t>
-            </a:r>
-            <a:r>
-              <a:rPr lang="en-GB" sz="2600" dirty="0" err="1">
-                <a:solidFill>
-                  <a:prstClr val="black"/>
-                </a:solidFill>
-              </a:rPr>
-              <a:t>MidiKeyboardState</a:t>
-            </a:r>
-            <a:r>
-              <a:rPr lang="en-GB" sz="2600" dirty="0">
-                <a:solidFill>
-                  <a:prstClr val="black"/>
-                </a:solidFill>
-              </a:rPr>
-              <a:t> and you use that reference in the </a:t>
-            </a:r>
-            <a:r>
-              <a:rPr lang="en-GB" sz="2600" dirty="0" err="1">
-                <a:solidFill>
-                  <a:prstClr val="black"/>
-                </a:solidFill>
-              </a:rPr>
-              <a:t>MidiKeyboardComponent</a:t>
-            </a:r>
-            <a:r>
-              <a:rPr lang="en-GB" sz="2600" dirty="0">
-                <a:solidFill>
-                  <a:prstClr val="black"/>
-                </a:solidFill>
-              </a:rPr>
-              <a:t> constructor</a:t>
-            </a:r>
-          </a:p>
-          <a:p>
-            <a:r>
-              <a:rPr lang="en-GB" sz="2600" dirty="0">
-                <a:solidFill>
-                  <a:prstClr val="black"/>
-                </a:solidFill>
-              </a:rPr>
-              <a:t>Initialize </a:t>
-            </a:r>
-            <a:r>
-              <a:rPr lang="en-GB" sz="2600" dirty="0" err="1">
-                <a:solidFill>
-                  <a:prstClr val="black"/>
-                </a:solidFill>
-              </a:rPr>
-              <a:t>MidiKeyboardComponent</a:t>
-            </a:r>
-            <a:r>
-              <a:rPr lang="en-GB" sz="2600" dirty="0">
-                <a:solidFill>
-                  <a:prstClr val="black"/>
-                </a:solidFill>
-              </a:rPr>
-              <a:t> in member initialization list of </a:t>
-            </a:r>
-            <a:r>
-              <a:rPr lang="en-GB" sz="2600" dirty="0" err="1">
-                <a:solidFill>
-                  <a:prstClr val="black"/>
-                </a:solidFill>
-              </a:rPr>
-              <a:t>AudioProcessorEditor</a:t>
-            </a:r>
-            <a:r>
-              <a:rPr lang="en-GB" sz="2600" dirty="0">
-                <a:solidFill>
-                  <a:prstClr val="black"/>
-                </a:solidFill>
-              </a:rPr>
-              <a:t> constructor</a:t>
-            </a:r>
-          </a:p>
-          <a:p>
             <a:endParaRPr lang="en-GB" sz="2600" dirty="0">
               <a:solidFill>
                 <a:prstClr val="black"/>
@@ -5434,6 +5646,89 @@
             </a:endParaRPr>
           </a:p>
           <a:p>
+            <a:pPr lvl="1">
+              <a:lnSpc>
+                <a:spcPct val="100000"/>
+              </a:lnSpc>
+            </a:pPr>
+            <a:r>
+              <a:rPr lang="en-GB" sz="2200" dirty="0">
+                <a:solidFill>
+                  <a:prstClr val="black"/>
+                </a:solidFill>
+              </a:rPr>
+              <a:t>you use that reference in the </a:t>
+            </a:r>
+            <a:r>
+              <a:rPr lang="en-GB" sz="2200" dirty="0">
+                <a:solidFill>
+                  <a:srgbClr val="0D21B3"/>
+                </a:solidFill>
+              </a:rPr>
+              <a:t>MidiKeyboardComponent</a:t>
+            </a:r>
+            <a:r>
+              <a:rPr lang="en-GB" sz="2200" dirty="0">
+                <a:solidFill>
+                  <a:prstClr val="black"/>
+                </a:solidFill>
+              </a:rPr>
+              <a:t> constructor</a:t>
+            </a:r>
+          </a:p>
+          <a:p>
+            <a:pPr>
+              <a:lnSpc>
+                <a:spcPct val="100000"/>
+              </a:lnSpc>
+            </a:pPr>
+            <a:r>
+              <a:rPr lang="en-GB" sz="2600" dirty="0">
+                <a:solidFill>
+                  <a:prstClr val="black"/>
+                </a:solidFill>
+              </a:rPr>
+              <a:t>Initialize </a:t>
+            </a:r>
+            <a:r>
+              <a:rPr lang="en-GB" sz="2600" dirty="0">
+                <a:solidFill>
+                  <a:srgbClr val="0D21B3"/>
+                </a:solidFill>
+              </a:rPr>
+              <a:t>MidiKeyboardComponent</a:t>
+            </a:r>
+            <a:r>
+              <a:rPr lang="en-GB" sz="2600" dirty="0">
+                <a:solidFill>
+                  <a:prstClr val="black"/>
+                </a:solidFill>
+              </a:rPr>
+              <a:t> in member initialization list of </a:t>
+            </a:r>
+            <a:r>
+              <a:rPr lang="en-GB" sz="2600" dirty="0" err="1">
+                <a:solidFill>
+                  <a:srgbClr val="0D21B3"/>
+                </a:solidFill>
+              </a:rPr>
+              <a:t>AudioProcessorEditor</a:t>
+            </a:r>
+            <a:r>
+              <a:rPr lang="en-GB" sz="2600" dirty="0">
+                <a:solidFill>
+                  <a:prstClr val="black"/>
+                </a:solidFill>
+              </a:rPr>
+              <a:t> constructor</a:t>
+            </a:r>
+          </a:p>
+          <a:p>
+            <a:pPr>
+              <a:lnSpc>
+                <a:spcPct val="100000"/>
+              </a:lnSpc>
+            </a:pPr>
             <a:endParaRPr lang="en-GB" sz="2600" dirty="0">
               <a:solidFill>
                 <a:prstClr val="black"/>
@@ -5441,6 +5736,11 @@
             </a:endParaRPr>
           </a:p>
           <a:p>
+            <a:pPr>
+              <a:lnSpc>
+                <a:spcPct val="100000"/>
+              </a:lnSpc>
+            </a:pPr>
             <a:endParaRPr lang="en-GB" sz="2600" dirty="0">
               <a:solidFill>
                 <a:prstClr val="black"/>
@@ -5448,6 +5748,11 @@
             </a:endParaRPr>
           </a:p>
           <a:p>
+            <a:pPr>
+              <a:lnSpc>
+                <a:spcPct val="100000"/>
+              </a:lnSpc>
+            </a:pPr>
             <a:endParaRPr lang="en-GB" sz="2600" dirty="0">
               <a:solidFill>
                 <a:prstClr val="black"/>
@@ -5455,16 +5760,11 @@
             </a:endParaRPr>
           </a:p>
           <a:p>
-            <a:r>
-              <a:rPr lang="en-GB" sz="2600" dirty="0">
-                <a:solidFill>
-                  <a:prstClr val="black"/>
-                </a:solidFill>
-              </a:rPr>
-              <a:t>It builds, but does not show keyboard or do anything with Midi</a:t>
-            </a:r>
-          </a:p>
-          <a:p>
+            <a:pPr>
+              <a:lnSpc>
+                <a:spcPct val="100000"/>
+              </a:lnSpc>
+            </a:pPr>
             <a:endParaRPr lang="en-GB" sz="2600" dirty="0">
               <a:solidFill>
                 <a:prstClr val="black"/>
@@ -5472,7 +5772,19 @@
             </a:endParaRPr>
           </a:p>
           <a:p>
-            <a:endParaRPr lang="en-GB" sz="2600" dirty="0"/>
+            <a:pPr>
+              <a:lnSpc>
+                <a:spcPct val="100000"/>
+              </a:lnSpc>
+            </a:pPr>
+            <a:r>
+              <a:rPr lang="en-GB" sz="2600" dirty="0">
+                <a:solidFill>
+                  <a:prstClr val="black"/>
+                </a:solidFill>
+              </a:rPr>
+              <a:t>It builds, but does not show keyboard or do anything with Midi</a:t>
+            </a:r>
           </a:p>
         </p:txBody>
       </p:sp>
@@ -5490,7 +5802,7 @@
         </p:nvSpPr>
         <p:spPr>
           <a:xfrm>
-            <a:off x="591007" y="3549807"/>
+            <a:off x="377588" y="3693856"/>
             <a:ext cx="10757614" cy="1754326"/>
           </a:xfrm>
           <a:prstGeom prst="rect">
@@ -5768,7 +6080,7 @@
               <a:t>::</a:t>
             </a:r>
             <a:r>
-              <a:rPr lang="en-GB" sz="1800" b="1" i="1" dirty="0" err="1">
+              <a:rPr lang="en-GB" sz="1800" b="1" i="1" dirty="0">
                 <a:solidFill>
                   <a:srgbClr val="2B91AF"/>
                 </a:solidFill>
@@ -5959,8 +6271,8 @@
         </p:nvSpPr>
         <p:spPr>
           <a:xfrm>
-            <a:off x="1553308" y="1805602"/>
-            <a:ext cx="8950570" cy="3139321"/>
+            <a:off x="587433" y="1877646"/>
+            <a:ext cx="11311720" cy="4524315"/>
           </a:xfrm>
           <a:prstGeom prst="rect">
             <a:avLst/>
@@ -5979,7 +6291,7 @@
           <a:lstStyle/>
           <a:p>
             <a:r>
-              <a:rPr lang="en-GB" sz="1800" dirty="0" err="1">
+              <a:rPr lang="en-GB" sz="2400" dirty="0" err="1">
                 <a:solidFill>
                   <a:srgbClr val="2B91AF"/>
                 </a:solidFill>
@@ -5988,7 +6300,7 @@
               <a:t>NewProjectAudioProcessorEditor</a:t>
             </a:r>
             <a:r>
-              <a:rPr lang="en-GB" sz="1800" dirty="0">
+              <a:rPr lang="en-GB" sz="2400" dirty="0">
                 <a:solidFill>
                   <a:srgbClr val="000000"/>
                 </a:solidFill>
@@ -5997,7 +6309,7 @@
               <a:t>::</a:t>
             </a:r>
             <a:r>
-              <a:rPr lang="en-GB" sz="1800" dirty="0" err="1">
+              <a:rPr lang="en-GB" sz="2400" dirty="0" err="1">
                 <a:solidFill>
                   <a:srgbClr val="000000"/>
                 </a:solidFill>
@@ -6006,7 +6318,7 @@
               <a:t>NewProjectAudioProcessorEditor</a:t>
             </a:r>
             <a:r>
-              <a:rPr lang="en-GB" sz="1800" dirty="0">
+              <a:rPr lang="en-GB" sz="2400" dirty="0">
                 <a:solidFill>
                   <a:srgbClr val="000000"/>
                 </a:solidFill>
@@ -6017,7 +6329,7 @@
           </a:p>
           <a:p>
             <a:r>
-              <a:rPr lang="en-GB" sz="1800" dirty="0">
+              <a:rPr lang="en-GB" sz="2400" dirty="0">
                 <a:solidFill>
                   <a:srgbClr val="000000"/>
                 </a:solidFill>
@@ -6028,7 +6340,7 @@
           </a:p>
           <a:p>
             <a:r>
-              <a:rPr lang="en-GB" sz="1800" dirty="0">
+              <a:rPr lang="en-GB" sz="2400" dirty="0">
                 <a:solidFill>
                   <a:srgbClr val="000000"/>
                 </a:solidFill>
@@ -6037,7 +6349,7 @@
               <a:t>  </a:t>
             </a:r>
             <a:r>
-              <a:rPr lang="en-GB" sz="1800" dirty="0">
+              <a:rPr lang="en-GB" sz="2400" dirty="0">
                 <a:solidFill>
                   <a:srgbClr val="008000"/>
                 </a:solidFill>
@@ -6045,7 +6357,7 @@
               </a:rPr>
               <a:t>…</a:t>
             </a:r>
-            <a:endParaRPr lang="en-GB" sz="1800" dirty="0">
+            <a:endParaRPr lang="en-GB" sz="2400" dirty="0">
               <a:solidFill>
                 <a:srgbClr val="000000"/>
               </a:solidFill>
@@ -6054,7 +6366,7 @@
           </a:p>
           <a:p>
             <a:r>
-              <a:rPr lang="en-GB" dirty="0">
+              <a:rPr lang="en-GB" sz="2400" dirty="0">
                 <a:solidFill>
                   <a:srgbClr val="000000"/>
                 </a:solidFill>
@@ -6063,7 +6375,7 @@
               <a:t>  </a:t>
             </a:r>
             <a:r>
-              <a:rPr lang="en-GB" sz="1800" dirty="0" err="1">
+              <a:rPr lang="en-GB" sz="2400" dirty="0" err="1">
                 <a:solidFill>
                   <a:srgbClr val="000000"/>
                 </a:solidFill>
@@ -6072,7 +6384,7 @@
               <a:t>addAndMakeVisible</a:t>
             </a:r>
             <a:r>
-              <a:rPr lang="en-GB" sz="1800" dirty="0">
+              <a:rPr lang="en-GB" sz="2400" dirty="0">
                 <a:solidFill>
                   <a:srgbClr val="000000"/>
                 </a:solidFill>
@@ -6081,7 +6393,7 @@
               <a:t>(&amp;</a:t>
             </a:r>
             <a:r>
-              <a:rPr lang="en-GB" sz="1800" dirty="0" err="1">
+              <a:rPr lang="en-GB" sz="2400" dirty="0" err="1">
                 <a:solidFill>
                   <a:srgbClr val="000000"/>
                 </a:solidFill>
@@ -6090,7 +6402,7 @@
               <a:t>myKeyboard</a:t>
             </a:r>
             <a:r>
-              <a:rPr lang="en-GB" sz="1800" dirty="0">
+              <a:rPr lang="en-GB" sz="2400" dirty="0">
                 <a:solidFill>
                   <a:srgbClr val="000000"/>
                 </a:solidFill>
@@ -6101,7 +6413,7 @@
           </a:p>
           <a:p>
             <a:r>
-              <a:rPr lang="en-GB" sz="1800" dirty="0">
+              <a:rPr lang="en-GB" sz="2400" dirty="0">
                 <a:solidFill>
                   <a:srgbClr val="000000"/>
                 </a:solidFill>
@@ -6112,7 +6424,7 @@
           </a:p>
           <a:p>
             <a:r>
-              <a:rPr lang="en-GB" sz="1800" dirty="0">
+              <a:rPr lang="en-GB" sz="2400" dirty="0">
                 <a:solidFill>
                   <a:srgbClr val="000000"/>
                 </a:solidFill>
@@ -6123,7 +6435,7 @@
           </a:p>
           <a:p>
             <a:r>
-              <a:rPr lang="en-GB" sz="1800" dirty="0">
+              <a:rPr lang="en-GB" sz="2400" dirty="0">
                 <a:solidFill>
                   <a:srgbClr val="0000FF"/>
                 </a:solidFill>
@@ -6132,7 +6444,7 @@
               <a:t>void</a:t>
             </a:r>
             <a:r>
-              <a:rPr lang="en-GB" sz="1800" dirty="0">
+              <a:rPr lang="en-GB" sz="2400" dirty="0">
                 <a:solidFill>
                   <a:srgbClr val="000000"/>
                 </a:solidFill>
@@ -6141,7 +6453,7 @@
               <a:t> </a:t>
             </a:r>
             <a:r>
-              <a:rPr lang="en-GB" sz="1800" dirty="0" err="1">
+              <a:rPr lang="en-GB" sz="2400" dirty="0" err="1">
                 <a:solidFill>
                   <a:srgbClr val="2B91AF"/>
                 </a:solidFill>
@@ -6150,7 +6462,7 @@
               <a:t>NewProjectAudioProcessorEditor</a:t>
             </a:r>
             <a:r>
-              <a:rPr lang="en-GB" sz="1800" dirty="0">
+              <a:rPr lang="en-GB" sz="2400" dirty="0">
                 <a:solidFill>
                   <a:srgbClr val="000000"/>
                 </a:solidFill>
@@ -6161,7 +6473,7 @@
           </a:p>
           <a:p>
             <a:r>
-              <a:rPr lang="en-GB" sz="1800" dirty="0">
+              <a:rPr lang="en-GB" sz="2400" dirty="0">
                 <a:solidFill>
                   <a:srgbClr val="000000"/>
                 </a:solidFill>
@@ -6172,7 +6484,7 @@
           </a:p>
           <a:p>
             <a:r>
-              <a:rPr lang="en-GB" sz="1800" dirty="0">
+              <a:rPr lang="en-GB" sz="2400" dirty="0">
                 <a:solidFill>
                   <a:srgbClr val="000000"/>
                 </a:solidFill>
@@ -6183,7 +6495,7 @@
           </a:p>
           <a:p>
             <a:r>
-              <a:rPr lang="en-GB" sz="1800" dirty="0">
+              <a:rPr lang="en-GB" sz="2400" dirty="0">
                 <a:solidFill>
                   <a:srgbClr val="000000"/>
                 </a:solidFill>
@@ -6192,7 +6504,7 @@
               <a:t>  </a:t>
             </a:r>
             <a:r>
-              <a:rPr lang="en-GB" sz="1800" dirty="0" err="1">
+              <a:rPr lang="en-GB" sz="2400" dirty="0" err="1">
                 <a:solidFill>
                   <a:srgbClr val="000000"/>
                 </a:solidFill>
@@ -6201,7 +6513,7 @@
               <a:t>myKeyboard.setBounds</a:t>
             </a:r>
             <a:r>
-              <a:rPr lang="en-GB" sz="1800" dirty="0">
+              <a:rPr lang="en-GB" sz="2400" dirty="0">
                 <a:solidFill>
                   <a:srgbClr val="000000"/>
                 </a:solidFill>
@@ -6212,7 +6524,7 @@
           </a:p>
           <a:p>
             <a:r>
-              <a:rPr lang="en-GB" sz="1800" dirty="0">
+              <a:rPr lang="en-GB" sz="2400" dirty="0">
                 <a:solidFill>
                   <a:srgbClr val="000000"/>
                 </a:solidFill>
@@ -6317,60 +6629,60 @@
           <a:lstStyle/>
           <a:p>
             <a:r>
-              <a:rPr lang="en-GB" sz="2200" dirty="0"/>
-              <a:t>Now replace the </a:t>
-            </a:r>
-            <a:r>
-              <a:rPr lang="en-GB" sz="2200" dirty="0" err="1"/>
+              <a:rPr lang="en-GB" dirty="0"/>
+              <a:t>Replace </a:t>
+            </a:r>
+            <a:r>
+              <a:rPr lang="en-GB" dirty="0" err="1"/>
               <a:t>processBlock</a:t>
             </a:r>
             <a:r>
-              <a:rPr lang="en-GB" sz="2200" dirty="0"/>
+              <a:rPr lang="en-GB" dirty="0"/>
               <a:t> with</a:t>
             </a:r>
           </a:p>
           <a:p>
-            <a:endParaRPr lang="en-GB" sz="2200" dirty="0">
+            <a:endParaRPr lang="en-GB" dirty="0">
               <a:effectLst/>
               <a:ea typeface="Times New Roman" panose="02020603050405020304" pitchFamily="18" charset="0"/>
             </a:endParaRPr>
           </a:p>
           <a:p>
-            <a:endParaRPr lang="en-GB" sz="2200" dirty="0">
+            <a:endParaRPr lang="en-GB" dirty="0">
               <a:ea typeface="Times New Roman" panose="02020603050405020304" pitchFamily="18" charset="0"/>
             </a:endParaRPr>
           </a:p>
           <a:p>
-            <a:endParaRPr lang="en-GB" sz="2200" dirty="0">
+            <a:endParaRPr lang="en-GB" dirty="0">
               <a:effectLst/>
               <a:ea typeface="Times New Roman" panose="02020603050405020304" pitchFamily="18" charset="0"/>
             </a:endParaRPr>
           </a:p>
           <a:p>
-            <a:endParaRPr lang="en-GB" sz="2200" dirty="0">
+            <a:endParaRPr lang="en-GB" dirty="0">
               <a:ea typeface="Times New Roman" panose="02020603050405020304" pitchFamily="18" charset="0"/>
             </a:endParaRPr>
           </a:p>
           <a:p>
-            <a:endParaRPr lang="en-GB" sz="2200" dirty="0">
+            <a:endParaRPr lang="en-GB" dirty="0">
               <a:effectLst/>
               <a:ea typeface="Times New Roman" panose="02020603050405020304" pitchFamily="18" charset="0"/>
             </a:endParaRPr>
           </a:p>
           <a:p>
-            <a:endParaRPr lang="en-GB" sz="2200" dirty="0">
+            <a:endParaRPr lang="en-GB" dirty="0">
               <a:ea typeface="Times New Roman" panose="02020603050405020304" pitchFamily="18" charset="0"/>
             </a:endParaRPr>
           </a:p>
           <a:p>
-            <a:endParaRPr lang="en-GB" sz="2200" dirty="0">
+            <a:endParaRPr lang="en-GB" dirty="0">
               <a:effectLst/>
               <a:ea typeface="Times New Roman" panose="02020603050405020304" pitchFamily="18" charset="0"/>
             </a:endParaRPr>
           </a:p>
           <a:p>
             <a:r>
-              <a:rPr lang="en-GB" sz="2200" dirty="0">
+              <a:rPr lang="en-GB" dirty="0">
                 <a:effectLst/>
                 <a:ea typeface="Times New Roman" panose="02020603050405020304" pitchFamily="18" charset="0"/>
               </a:rPr>
@@ -6379,13 +6691,13 @@
           </a:p>
           <a:p>
             <a:r>
-              <a:rPr lang="en-GB" sz="2200" dirty="0">
+              <a:rPr lang="en-GB" dirty="0">
                 <a:ea typeface="Times New Roman" panose="02020603050405020304" pitchFamily="18" charset="0"/>
               </a:rPr>
               <a:t>A</a:t>
             </a:r>
             <a:r>
-              <a:rPr lang="en-GB" sz="2200" dirty="0">
+              <a:rPr lang="en-GB" dirty="0">
                 <a:effectLst/>
                 <a:ea typeface="Times New Roman" panose="02020603050405020304" pitchFamily="18" charset="0"/>
               </a:rPr>
@@ -6393,7 +6705,7 @@
             </a:r>
           </a:p>
           <a:p>
-            <a:endParaRPr lang="en-GB" sz="2200" dirty="0">
+            <a:endParaRPr lang="en-GB" dirty="0">
               <a:effectLst/>
               <a:ea typeface="Times New Roman" panose="02020603050405020304" pitchFamily="18" charset="0"/>
             </a:endParaRPr>
@@ -6414,8 +6726,8 @@
         </p:nvSpPr>
         <p:spPr>
           <a:xfrm>
-            <a:off x="817166" y="1578647"/>
-            <a:ext cx="10114603" cy="2585323"/>
+            <a:off x="310342" y="1578647"/>
+            <a:ext cx="11698778" cy="3000821"/>
           </a:xfrm>
           <a:prstGeom prst="rect">
             <a:avLst/>
@@ -6434,7 +6746,7 @@
           <a:lstStyle/>
           <a:p>
             <a:r>
-              <a:rPr lang="en-GB" sz="1800" dirty="0">
+              <a:rPr lang="en-GB" sz="2100" dirty="0">
                 <a:solidFill>
                   <a:srgbClr val="0000FF"/>
                 </a:solidFill>
@@ -6443,7 +6755,7 @@
               <a:t>void</a:t>
             </a:r>
             <a:r>
-              <a:rPr lang="en-GB" sz="1800" dirty="0">
+              <a:rPr lang="en-GB" sz="2100" dirty="0">
                 <a:solidFill>
                   <a:srgbClr val="000000"/>
                 </a:solidFill>
@@ -6452,7 +6764,7 @@
               <a:t> </a:t>
             </a:r>
             <a:r>
-              <a:rPr lang="en-GB" sz="1800" dirty="0" err="1">
+              <a:rPr lang="en-GB" sz="2100" dirty="0" err="1">
                 <a:solidFill>
                   <a:srgbClr val="2B91AF"/>
                 </a:solidFill>
@@ -6461,7 +6773,7 @@
               <a:t>NewProjectAudioProcessor</a:t>
             </a:r>
             <a:r>
-              <a:rPr lang="en-GB" sz="1800" dirty="0">
+              <a:rPr lang="en-GB" sz="2100" dirty="0">
                 <a:solidFill>
                   <a:srgbClr val="000000"/>
                 </a:solidFill>
@@ -6470,7 +6782,7 @@
               <a:t>::</a:t>
             </a:r>
             <a:r>
-              <a:rPr lang="en-GB" sz="1800" dirty="0" err="1">
+              <a:rPr lang="en-GB" sz="2100" dirty="0" err="1">
                 <a:solidFill>
                   <a:srgbClr val="000000"/>
                 </a:solidFill>
@@ -6479,7 +6791,7 @@
               <a:t>processBlock</a:t>
             </a:r>
             <a:r>
-              <a:rPr lang="en-GB" sz="1800" dirty="0">
+              <a:rPr lang="en-GB" sz="2100" dirty="0">
                 <a:solidFill>
                   <a:srgbClr val="000000"/>
                 </a:solidFill>
@@ -6488,7 +6800,7 @@
               <a:t>(</a:t>
             </a:r>
             <a:r>
-              <a:rPr lang="en-GB" sz="1800" dirty="0" err="1">
+              <a:rPr lang="en-GB" sz="2100" dirty="0" err="1">
                 <a:solidFill>
                   <a:srgbClr val="2B91AF"/>
                 </a:solidFill>
@@ -6497,7 +6809,7 @@
               <a:t>AudioBuffer</a:t>
             </a:r>
             <a:r>
-              <a:rPr lang="en-GB" sz="1800" dirty="0">
+              <a:rPr lang="en-GB" sz="2100" dirty="0">
                 <a:solidFill>
                   <a:srgbClr val="000000"/>
                 </a:solidFill>
@@ -6506,7 +6818,7 @@
               <a:t>&lt;</a:t>
             </a:r>
             <a:r>
-              <a:rPr lang="en-GB" sz="1800" dirty="0">
+              <a:rPr lang="en-GB" sz="2100" dirty="0">
                 <a:solidFill>
                   <a:srgbClr val="0000FF"/>
                 </a:solidFill>
@@ -6515,7 +6827,7 @@
               <a:t>float</a:t>
             </a:r>
             <a:r>
-              <a:rPr lang="en-GB" sz="1800" dirty="0">
+              <a:rPr lang="en-GB" sz="2100" dirty="0">
                 <a:solidFill>
                   <a:srgbClr val="000000"/>
                 </a:solidFill>
@@ -6524,7 +6836,7 @@
               <a:t>&gt;&amp; </a:t>
             </a:r>
             <a:r>
-              <a:rPr lang="en-GB" sz="1800" dirty="0">
+              <a:rPr lang="en-GB" sz="2100" dirty="0">
                 <a:solidFill>
                   <a:srgbClr val="808080"/>
                 </a:solidFill>
@@ -6533,7 +6845,7 @@
               <a:t>buffer</a:t>
             </a:r>
             <a:r>
-              <a:rPr lang="en-GB" sz="1800" dirty="0">
+              <a:rPr lang="en-GB" sz="2100" dirty="0">
                 <a:solidFill>
                   <a:srgbClr val="000000"/>
                 </a:solidFill>
@@ -6544,7 +6856,7 @@
           </a:p>
           <a:p>
             <a:r>
-              <a:rPr lang="en-GB" dirty="0">
+              <a:rPr lang="en-GB" sz="2100" dirty="0">
                 <a:solidFill>
                   <a:srgbClr val="000000"/>
                 </a:solidFill>
@@ -6553,7 +6865,7 @@
               <a:t>                                            </a:t>
             </a:r>
             <a:r>
-              <a:rPr lang="en-GB" sz="1800" dirty="0" err="1">
+              <a:rPr lang="en-GB" sz="2100" dirty="0" err="1">
                 <a:solidFill>
                   <a:srgbClr val="2B91AF"/>
                 </a:solidFill>
@@ -6562,7 +6874,7 @@
               <a:t>MidiBuffer</a:t>
             </a:r>
             <a:r>
-              <a:rPr lang="en-GB" sz="1800" dirty="0">
+              <a:rPr lang="en-GB" sz="2100" dirty="0">
                 <a:solidFill>
                   <a:srgbClr val="000000"/>
                 </a:solidFill>
@@ -6571,7 +6883,7 @@
               <a:t>&amp; </a:t>
             </a:r>
             <a:r>
-              <a:rPr lang="en-GB" sz="1800" dirty="0" err="1">
+              <a:rPr lang="en-GB" sz="2100" dirty="0" err="1">
                 <a:solidFill>
                   <a:srgbClr val="808080"/>
                 </a:solidFill>
@@ -6580,7 +6892,7 @@
               <a:t>midiMessages</a:t>
             </a:r>
             <a:r>
-              <a:rPr lang="en-GB" sz="1800" dirty="0">
+              <a:rPr lang="en-GB" sz="2100" dirty="0">
                 <a:solidFill>
                   <a:srgbClr val="000000"/>
                 </a:solidFill>
@@ -6591,7 +6903,7 @@
           </a:p>
           <a:p>
             <a:r>
-              <a:rPr lang="en-GB" sz="1800" dirty="0">
+              <a:rPr lang="en-GB" sz="2100" dirty="0">
                 <a:solidFill>
                   <a:srgbClr val="000000"/>
                 </a:solidFill>
@@ -6600,7 +6912,7 @@
               <a:t>  </a:t>
             </a:r>
             <a:r>
-              <a:rPr lang="en-GB" sz="1800" dirty="0">
+              <a:rPr lang="en-GB" sz="2100" dirty="0">
                 <a:solidFill>
                   <a:srgbClr val="0000FF"/>
                 </a:solidFill>
@@ -6609,7 +6921,7 @@
               <a:t>auto</a:t>
             </a:r>
             <a:r>
-              <a:rPr lang="en-GB" sz="1800" dirty="0">
+              <a:rPr lang="en-GB" sz="2100" dirty="0">
                 <a:solidFill>
                   <a:srgbClr val="000000"/>
                 </a:solidFill>
@@ -6618,7 +6930,7 @@
               <a:t> </a:t>
             </a:r>
             <a:r>
-              <a:rPr lang="en-GB" sz="1800" dirty="0" err="1">
+              <a:rPr lang="en-GB" sz="2100" dirty="0" err="1">
                 <a:solidFill>
                   <a:srgbClr val="000000"/>
                 </a:solidFill>
@@ -6627,7 +6939,7 @@
               <a:t>numSamples</a:t>
             </a:r>
             <a:r>
-              <a:rPr lang="en-GB" sz="1800" dirty="0">
+              <a:rPr lang="en-GB" sz="2100" dirty="0">
                 <a:solidFill>
                   <a:srgbClr val="000000"/>
                 </a:solidFill>
@@ -6636,7 +6948,7 @@
               <a:t> = </a:t>
             </a:r>
             <a:r>
-              <a:rPr lang="en-GB" sz="1800" dirty="0" err="1">
+              <a:rPr lang="en-GB" sz="2100" dirty="0" err="1">
                 <a:solidFill>
                   <a:srgbClr val="808080"/>
                 </a:solidFill>
@@ -6645,7 +6957,7 @@
               <a:t>buffer</a:t>
             </a:r>
             <a:r>
-              <a:rPr lang="en-GB" sz="1800" dirty="0" err="1">
+              <a:rPr lang="en-GB" sz="2100" dirty="0" err="1">
                 <a:solidFill>
                   <a:srgbClr val="000000"/>
                 </a:solidFill>
@@ -6654,7 +6966,7 @@
               <a:t>.getNumSamples</a:t>
             </a:r>
             <a:r>
-              <a:rPr lang="en-GB" sz="1800" dirty="0">
+              <a:rPr lang="en-GB" sz="2100" dirty="0">
                 <a:solidFill>
                   <a:srgbClr val="000000"/>
                 </a:solidFill>
@@ -6665,7 +6977,7 @@
           </a:p>
           <a:p>
             <a:r>
-              <a:rPr lang="en-GB" dirty="0">
+              <a:rPr lang="en-GB" sz="2100" dirty="0">
                 <a:solidFill>
                   <a:srgbClr val="000000"/>
                 </a:solidFill>
@@ -6674,7 +6986,7 @@
               <a:t>  </a:t>
             </a:r>
             <a:r>
-              <a:rPr lang="en-GB" sz="1800" dirty="0" err="1">
+              <a:rPr lang="en-GB" sz="2100" dirty="0" err="1">
                 <a:solidFill>
                   <a:srgbClr val="000000"/>
                 </a:solidFill>
@@ -6683,7 +6995,7 @@
               <a:t>keyboardState.processNextMidiBuffer</a:t>
             </a:r>
             <a:r>
-              <a:rPr lang="en-GB" sz="1800" dirty="0">
+              <a:rPr lang="en-GB" sz="2100" dirty="0">
                 <a:solidFill>
                   <a:srgbClr val="000000"/>
                 </a:solidFill>
@@ -6692,7 +7004,7 @@
               <a:t>(</a:t>
             </a:r>
             <a:r>
-              <a:rPr lang="en-GB" sz="1800" dirty="0" err="1">
+              <a:rPr lang="en-GB" sz="2100" dirty="0" err="1">
                 <a:solidFill>
                   <a:srgbClr val="808080"/>
                 </a:solidFill>
@@ -6701,7 +7013,7 @@
               <a:t>midiMessages</a:t>
             </a:r>
             <a:r>
-              <a:rPr lang="en-GB" sz="1800" dirty="0">
+              <a:rPr lang="en-GB" sz="2100" dirty="0">
                 <a:solidFill>
                   <a:srgbClr val="000000"/>
                 </a:solidFill>
@@ -6710,7 +7022,7 @@
               <a:t>, 0, </a:t>
             </a:r>
             <a:r>
-              <a:rPr lang="en-GB" sz="1800" dirty="0" err="1">
+              <a:rPr lang="en-GB" sz="2100" dirty="0" err="1">
                 <a:solidFill>
                   <a:srgbClr val="000000"/>
                 </a:solidFill>
@@ -6719,7 +7031,7 @@
               <a:t>numSamples</a:t>
             </a:r>
             <a:r>
-              <a:rPr lang="en-GB" sz="1800" dirty="0">
+              <a:rPr lang="en-GB" sz="2100" dirty="0">
                 <a:solidFill>
                   <a:srgbClr val="000000"/>
                 </a:solidFill>
@@ -6728,7 +7040,7 @@
               <a:t>, </a:t>
             </a:r>
             <a:r>
-              <a:rPr lang="en-GB" sz="1800" dirty="0">
+              <a:rPr lang="en-GB" sz="2100" dirty="0">
                 <a:solidFill>
                   <a:srgbClr val="0000FF"/>
                 </a:solidFill>
@@ -6737,7 +7049,7 @@
               <a:t>true</a:t>
             </a:r>
             <a:r>
-              <a:rPr lang="en-GB" sz="1800" dirty="0">
+              <a:rPr lang="en-GB" sz="2100" dirty="0">
                 <a:solidFill>
                   <a:srgbClr val="000000"/>
                 </a:solidFill>
@@ -6748,7 +7060,7 @@
           </a:p>
           <a:p>
             <a:r>
-              <a:rPr lang="pt-BR" sz="1800" dirty="0">
+              <a:rPr lang="pt-BR" sz="2100" dirty="0">
                 <a:solidFill>
                   <a:srgbClr val="000000"/>
                 </a:solidFill>
@@ -6757,7 +7069,7 @@
               <a:t>  </a:t>
             </a:r>
             <a:r>
-              <a:rPr lang="pt-BR" sz="1800" dirty="0">
+              <a:rPr lang="pt-BR" sz="2100" dirty="0">
                 <a:solidFill>
                   <a:srgbClr val="0000FF"/>
                 </a:solidFill>
@@ -6766,7 +7078,7 @@
               <a:t>for</a:t>
             </a:r>
             <a:r>
-              <a:rPr lang="pt-BR" sz="1800" dirty="0">
+              <a:rPr lang="pt-BR" sz="2100" dirty="0">
                 <a:solidFill>
                   <a:srgbClr val="000000"/>
                 </a:solidFill>
@@ -6775,7 +7087,7 @@
               <a:t> (</a:t>
             </a:r>
             <a:r>
-              <a:rPr lang="pt-BR" sz="1800" dirty="0">
+              <a:rPr lang="pt-BR" sz="2100" dirty="0">
                 <a:solidFill>
                   <a:srgbClr val="0000FF"/>
                 </a:solidFill>
@@ -6784,7 +7096,7 @@
               <a:t>const</a:t>
             </a:r>
             <a:r>
-              <a:rPr lang="pt-BR" sz="1800" dirty="0">
+              <a:rPr lang="pt-BR" sz="2100" dirty="0">
                 <a:solidFill>
                   <a:srgbClr val="000000"/>
                 </a:solidFill>
@@ -6793,7 +7105,7 @@
               <a:t> </a:t>
             </a:r>
             <a:r>
-              <a:rPr lang="pt-BR" sz="1800" dirty="0">
+              <a:rPr lang="pt-BR" sz="2100" dirty="0">
                 <a:solidFill>
                   <a:srgbClr val="0000FF"/>
                 </a:solidFill>
@@ -6802,7 +7114,7 @@
               <a:t>auto</a:t>
             </a:r>
             <a:r>
-              <a:rPr lang="pt-BR" sz="1800" dirty="0">
+              <a:rPr lang="pt-BR" sz="2100" dirty="0">
                 <a:solidFill>
                   <a:srgbClr val="000000"/>
                 </a:solidFill>
@@ -6811,7 +7123,7 @@
               <a:t> metadata : </a:t>
             </a:r>
             <a:r>
-              <a:rPr lang="pt-BR" sz="1800" dirty="0">
+              <a:rPr lang="pt-BR" sz="2100" dirty="0">
                 <a:solidFill>
                   <a:srgbClr val="808080"/>
                 </a:solidFill>
@@ -6820,7 +7132,7 @@
               <a:t>midiMessages</a:t>
             </a:r>
             <a:r>
-              <a:rPr lang="pt-BR" sz="1800" dirty="0">
+              <a:rPr lang="pt-BR" sz="2100" dirty="0">
                 <a:solidFill>
                   <a:srgbClr val="000000"/>
                 </a:solidFill>
@@ -6831,7 +7143,7 @@
           </a:p>
           <a:p>
             <a:r>
-              <a:rPr lang="en-GB" sz="1800" dirty="0">
+              <a:rPr lang="en-GB" sz="2100" dirty="0">
                 <a:solidFill>
                   <a:srgbClr val="000000"/>
                 </a:solidFill>
@@ -6840,7 +7152,7 @@
               <a:t>    </a:t>
             </a:r>
             <a:r>
-              <a:rPr lang="en-GB" sz="1800" dirty="0">
+              <a:rPr lang="en-GB" sz="2100" dirty="0">
                 <a:solidFill>
                   <a:srgbClr val="0000FF"/>
                 </a:solidFill>
@@ -6849,7 +7161,7 @@
               <a:t>if</a:t>
             </a:r>
             <a:r>
-              <a:rPr lang="en-GB" sz="1800" dirty="0">
+              <a:rPr lang="en-GB" sz="2100" dirty="0">
                 <a:solidFill>
                   <a:srgbClr val="000000"/>
                 </a:solidFill>
@@ -6858,7 +7170,7 @@
               <a:t> (</a:t>
             </a:r>
             <a:r>
-              <a:rPr lang="en-GB" sz="1800" dirty="0" err="1">
+              <a:rPr lang="en-GB" sz="2100" dirty="0" err="1">
                 <a:solidFill>
                   <a:srgbClr val="000000"/>
                 </a:solidFill>
@@ -6867,7 +7179,7 @@
               <a:t>metadata.getMessage</a:t>
             </a:r>
             <a:r>
-              <a:rPr lang="en-GB" sz="1800" dirty="0">
+              <a:rPr lang="en-GB" sz="2100" dirty="0">
                 <a:solidFill>
                   <a:srgbClr val="000000"/>
                 </a:solidFill>
@@ -6876,7 +7188,7 @@
               <a:t>().</a:t>
             </a:r>
             <a:r>
-              <a:rPr lang="en-GB" sz="1800" dirty="0" err="1">
+              <a:rPr lang="en-GB" sz="2100" dirty="0" err="1">
                 <a:solidFill>
                   <a:srgbClr val="000000"/>
                 </a:solidFill>
@@ -6885,7 +7197,7 @@
               <a:t>isNoteOn</a:t>
             </a:r>
             <a:r>
-              <a:rPr lang="en-GB" sz="1800" dirty="0">
+              <a:rPr lang="en-GB" sz="2100" dirty="0">
                 <a:solidFill>
                   <a:srgbClr val="000000"/>
                 </a:solidFill>
@@ -6894,7 +7206,7 @@
               <a:t>()) </a:t>
             </a:r>
             <a:r>
-              <a:rPr lang="en-GB" sz="1800" dirty="0">
+              <a:rPr lang="en-GB" sz="2100" dirty="0">
                 <a:solidFill>
                   <a:srgbClr val="6F008A"/>
                 </a:solidFill>
@@ -6903,7 +7215,7 @@
               <a:t>DBG</a:t>
             </a:r>
             <a:r>
-              <a:rPr lang="en-GB" sz="1800" dirty="0">
+              <a:rPr lang="en-GB" sz="2100" dirty="0">
                 <a:solidFill>
                   <a:srgbClr val="000000"/>
                 </a:solidFill>
@@ -6912,7 +7224,7 @@
               <a:t>(</a:t>
             </a:r>
             <a:r>
-              <a:rPr lang="en-GB" sz="1800" dirty="0">
+              <a:rPr lang="en-GB" sz="2100" dirty="0">
                 <a:solidFill>
                   <a:srgbClr val="A31515"/>
                 </a:solidFill>
@@ -6921,7 +7233,7 @@
               <a:t>"Note On"</a:t>
             </a:r>
             <a:r>
-              <a:rPr lang="en-GB" sz="1800" dirty="0">
+              <a:rPr lang="en-GB" sz="2100" dirty="0">
                 <a:solidFill>
                   <a:srgbClr val="000000"/>
                 </a:solidFill>
@@ -6932,7 +7244,7 @@
           </a:p>
           <a:p>
             <a:r>
-              <a:rPr lang="en-GB" sz="1800" dirty="0">
+              <a:rPr lang="en-GB" sz="2100" dirty="0">
                 <a:solidFill>
                   <a:srgbClr val="000000"/>
                 </a:solidFill>
@@ -6941,7 +7253,7 @@
               <a:t>    </a:t>
             </a:r>
             <a:r>
-              <a:rPr lang="en-GB" sz="1800" dirty="0">
+              <a:rPr lang="en-GB" sz="2100" dirty="0">
                 <a:solidFill>
                   <a:srgbClr val="0000FF"/>
                 </a:solidFill>
@@ -6950,7 +7262,7 @@
               <a:t>if</a:t>
             </a:r>
             <a:r>
-              <a:rPr lang="en-GB" sz="1800" dirty="0">
+              <a:rPr lang="en-GB" sz="2100" dirty="0">
                 <a:solidFill>
                   <a:srgbClr val="000000"/>
                 </a:solidFill>
@@ -6959,7 +7271,7 @@
               <a:t> (</a:t>
             </a:r>
             <a:r>
-              <a:rPr lang="en-GB" sz="1800" dirty="0" err="1">
+              <a:rPr lang="en-GB" sz="2100" dirty="0" err="1">
                 <a:solidFill>
                   <a:srgbClr val="000000"/>
                 </a:solidFill>
@@ -6968,7 +7280,7 @@
               <a:t>metadata.getMessage</a:t>
             </a:r>
             <a:r>
-              <a:rPr lang="en-GB" sz="1800" dirty="0">
+              <a:rPr lang="en-GB" sz="2100" dirty="0">
                 <a:solidFill>
                   <a:srgbClr val="000000"/>
                 </a:solidFill>
@@ -6977,7 +7289,7 @@
               <a:t>().</a:t>
             </a:r>
             <a:r>
-              <a:rPr lang="en-GB" sz="1800" dirty="0" err="1">
+              <a:rPr lang="en-GB" sz="2100" dirty="0" err="1">
                 <a:solidFill>
                   <a:srgbClr val="000000"/>
                 </a:solidFill>
@@ -6986,7 +7298,7 @@
               <a:t>isNoteOff</a:t>
             </a:r>
             <a:r>
-              <a:rPr lang="en-GB" sz="1800" dirty="0">
+              <a:rPr lang="en-GB" sz="2100" dirty="0">
                 <a:solidFill>
                   <a:srgbClr val="000000"/>
                 </a:solidFill>
@@ -6995,7 +7307,7 @@
               <a:t>()) </a:t>
             </a:r>
             <a:r>
-              <a:rPr lang="en-GB" sz="1800" dirty="0">
+              <a:rPr lang="en-GB" sz="2100" dirty="0">
                 <a:solidFill>
                   <a:srgbClr val="6F008A"/>
                 </a:solidFill>
@@ -7004,7 +7316,7 @@
               <a:t>DBG</a:t>
             </a:r>
             <a:r>
-              <a:rPr lang="en-GB" sz="1800" dirty="0">
+              <a:rPr lang="en-GB" sz="2100" dirty="0">
                 <a:solidFill>
                   <a:srgbClr val="000000"/>
                 </a:solidFill>
@@ -7013,7 +7325,7 @@
               <a:t>(</a:t>
             </a:r>
             <a:r>
-              <a:rPr lang="en-GB" sz="1800" dirty="0">
+              <a:rPr lang="en-GB" sz="2100" dirty="0">
                 <a:solidFill>
                   <a:srgbClr val="A31515"/>
                 </a:solidFill>
@@ -7022,7 +7334,7 @@
               <a:t>"Note Off"</a:t>
             </a:r>
             <a:r>
-              <a:rPr lang="en-GB" sz="1800" dirty="0">
+              <a:rPr lang="en-GB" sz="2100" dirty="0">
                 <a:solidFill>
                   <a:srgbClr val="000000"/>
                 </a:solidFill>
@@ -7033,7 +7345,7 @@
           </a:p>
           <a:p>
             <a:r>
-              <a:rPr lang="en-GB" dirty="0">
+              <a:rPr lang="en-GB" sz="2100" dirty="0">
                 <a:solidFill>
                   <a:srgbClr val="000000"/>
                 </a:solidFill>
@@ -7041,16 +7353,10 @@
               </a:rPr>
               <a:t>  }</a:t>
             </a:r>
-            <a:endParaRPr lang="en-GB" sz="1800" dirty="0">
-              <a:solidFill>
-                <a:srgbClr val="000000"/>
-              </a:solidFill>
-              <a:latin typeface="Cascadia Mono" panose="020B0609020000020004" pitchFamily="49" charset="0"/>
-            </a:endParaRPr>
-          </a:p>
-          <a:p>
-            <a:r>
-              <a:rPr lang="en-GB" dirty="0">
+          </a:p>
+          <a:p>
+            <a:r>
+              <a:rPr lang="en-GB" sz="2100" dirty="0">
                 <a:solidFill>
                   <a:srgbClr val="000000"/>
                 </a:solidFill>
@@ -7058,12 +7364,6 @@
               </a:rPr>
               <a:t>}</a:t>
             </a:r>
-            <a:endParaRPr lang="en-GB" sz="1900" dirty="0">
-              <a:solidFill>
-                <a:srgbClr val="000000"/>
-              </a:solidFill>
-              <a:latin typeface="Cascadia Mono" panose="020B0609020000020004" pitchFamily="49" charset="0"/>
-            </a:endParaRPr>
           </a:p>
         </p:txBody>
       </p:sp>
